--- a/results/results.pptx
+++ b/results/results.pptx
@@ -2,23 +2,23 @@
 <file path=ppt/presentation.xml><?xml version="1.0" encoding="utf-8"?>
 <p:presentation xmlns:a="http://schemas.openxmlformats.org/drawingml/2006/main" xmlns:r="http://schemas.openxmlformats.org/officeDocument/2006/relationships" xmlns:p="http://schemas.openxmlformats.org/presentationml/2006/main" saveSubsetFonts="1">
   <p:sldMasterIdLst>
-    <p:sldMasterId id="2147483648" r:id="rId1"/>
+    <p:sldMasterId id="2147483660" r:id="rId1"/>
   </p:sldMasterIdLst>
   <p:sldIdLst>
-    <p:sldId id="257" r:id="rId2"/>
-    <p:sldId id="258" r:id="rId3"/>
-    <p:sldId id="261" r:id="rId4"/>
-    <p:sldId id="262" r:id="rId5"/>
-    <p:sldId id="259" r:id="rId6"/>
-    <p:sldId id="260" r:id="rId7"/>
+    <p:sldId id="261" r:id="rId2"/>
+    <p:sldId id="256" r:id="rId3"/>
+    <p:sldId id="257" r:id="rId4"/>
+    <p:sldId id="258" r:id="rId5"/>
+    <p:sldId id="260" r:id="rId6"/>
+    <p:sldId id="259" r:id="rId7"/>
   </p:sldIdLst>
-  <p:sldSz cx="12192000" cy="6858000"/>
+  <p:sldSz cx="9144000" cy="6858000" type="screen4x3"/>
   <p:notesSz cx="6858000" cy="9144000"/>
   <p:defaultTextStyle>
     <a:defPPr>
       <a:defRPr lang="en-US"/>
     </a:defPPr>
-    <a:lvl1pPr marL="0" algn="l" defTabSz="914400" rtl="0" eaLnBrk="1" latinLnBrk="0" hangingPunct="1">
+    <a:lvl1pPr marL="0" algn="l" defTabSz="457200" rtl="0" eaLnBrk="1" latinLnBrk="0" hangingPunct="1">
       <a:defRPr sz="1800" kern="1200">
         <a:solidFill>
           <a:schemeClr val="tx1"/>
@@ -28,7 +28,7 @@
         <a:cs typeface="+mn-cs"/>
       </a:defRPr>
     </a:lvl1pPr>
-    <a:lvl2pPr marL="457200" algn="l" defTabSz="914400" rtl="0" eaLnBrk="1" latinLnBrk="0" hangingPunct="1">
+    <a:lvl2pPr marL="457200" algn="l" defTabSz="457200" rtl="0" eaLnBrk="1" latinLnBrk="0" hangingPunct="1">
       <a:defRPr sz="1800" kern="1200">
         <a:solidFill>
           <a:schemeClr val="tx1"/>
@@ -38,7 +38,7 @@
         <a:cs typeface="+mn-cs"/>
       </a:defRPr>
     </a:lvl2pPr>
-    <a:lvl3pPr marL="914400" algn="l" defTabSz="914400" rtl="0" eaLnBrk="1" latinLnBrk="0" hangingPunct="1">
+    <a:lvl3pPr marL="914400" algn="l" defTabSz="457200" rtl="0" eaLnBrk="1" latinLnBrk="0" hangingPunct="1">
       <a:defRPr sz="1800" kern="1200">
         <a:solidFill>
           <a:schemeClr val="tx1"/>
@@ -48,7 +48,7 @@
         <a:cs typeface="+mn-cs"/>
       </a:defRPr>
     </a:lvl3pPr>
-    <a:lvl4pPr marL="1371600" algn="l" defTabSz="914400" rtl="0" eaLnBrk="1" latinLnBrk="0" hangingPunct="1">
+    <a:lvl4pPr marL="1371600" algn="l" defTabSz="457200" rtl="0" eaLnBrk="1" latinLnBrk="0" hangingPunct="1">
       <a:defRPr sz="1800" kern="1200">
         <a:solidFill>
           <a:schemeClr val="tx1"/>
@@ -58,7 +58,7 @@
         <a:cs typeface="+mn-cs"/>
       </a:defRPr>
     </a:lvl4pPr>
-    <a:lvl5pPr marL="1828800" algn="l" defTabSz="914400" rtl="0" eaLnBrk="1" latinLnBrk="0" hangingPunct="1">
+    <a:lvl5pPr marL="1828800" algn="l" defTabSz="457200" rtl="0" eaLnBrk="1" latinLnBrk="0" hangingPunct="1">
       <a:defRPr sz="1800" kern="1200">
         <a:solidFill>
           <a:schemeClr val="tx1"/>
@@ -68,7 +68,7 @@
         <a:cs typeface="+mn-cs"/>
       </a:defRPr>
     </a:lvl5pPr>
-    <a:lvl6pPr marL="2286000" algn="l" defTabSz="914400" rtl="0" eaLnBrk="1" latinLnBrk="0" hangingPunct="1">
+    <a:lvl6pPr marL="2286000" algn="l" defTabSz="457200" rtl="0" eaLnBrk="1" latinLnBrk="0" hangingPunct="1">
       <a:defRPr sz="1800" kern="1200">
         <a:solidFill>
           <a:schemeClr val="tx1"/>
@@ -78,7 +78,7 @@
         <a:cs typeface="+mn-cs"/>
       </a:defRPr>
     </a:lvl6pPr>
-    <a:lvl7pPr marL="2743200" algn="l" defTabSz="914400" rtl="0" eaLnBrk="1" latinLnBrk="0" hangingPunct="1">
+    <a:lvl7pPr marL="2743200" algn="l" defTabSz="457200" rtl="0" eaLnBrk="1" latinLnBrk="0" hangingPunct="1">
       <a:defRPr sz="1800" kern="1200">
         <a:solidFill>
           <a:schemeClr val="tx1"/>
@@ -88,7 +88,7 @@
         <a:cs typeface="+mn-cs"/>
       </a:defRPr>
     </a:lvl7pPr>
-    <a:lvl8pPr marL="3200400" algn="l" defTabSz="914400" rtl="0" eaLnBrk="1" latinLnBrk="0" hangingPunct="1">
+    <a:lvl8pPr marL="3200400" algn="l" defTabSz="457200" rtl="0" eaLnBrk="1" latinLnBrk="0" hangingPunct="1">
       <a:defRPr sz="1800" kern="1200">
         <a:solidFill>
           <a:schemeClr val="tx1"/>
@@ -98,7 +98,7 @@
         <a:cs typeface="+mn-cs"/>
       </a:defRPr>
     </a:lvl8pPr>
-    <a:lvl9pPr marL="3657600" algn="l" defTabSz="914400" rtl="0" eaLnBrk="1" latinLnBrk="0" hangingPunct="1">
+    <a:lvl9pPr marL="3657600" algn="l" defTabSz="457200" rtl="0" eaLnBrk="1" latinLnBrk="0" hangingPunct="1">
       <a:defRPr sz="1800" kern="1200">
         <a:solidFill>
           <a:schemeClr val="tx1"/>
@@ -109,6 +109,11 @@
       </a:defRPr>
     </a:lvl9pPr>
   </p:defaultTextStyle>
+  <p:extLst>
+    <p:ext uri="{EFAFB233-063F-42B5-8137-9DF3F51BA10A}">
+      <p15:sldGuideLst xmlns:p15="http://schemas.microsoft.com/office/powerpoint/2012/main"/>
+    </p:ext>
+  </p:extLst>
 </p:presentation>
 </file>
 
@@ -141,8 +146,8 @@
         </p:nvSpPr>
         <p:spPr>
           <a:xfrm>
-            <a:off x="1524000" y="1122363"/>
-            <a:ext cx="9144000" cy="2387600"/>
+            <a:off x="685800" y="1122363"/>
+            <a:ext cx="7772400" cy="2387600"/>
           </a:xfrm>
         </p:spPr>
         <p:txBody>
@@ -157,7 +162,7 @@
               <a:rPr lang="en-US" smtClean="0"/>
               <a:t>Click to edit Master title style</a:t>
             </a:r>
-            <a:endParaRPr lang="en-AU"/>
+            <a:endParaRPr lang="en-US" dirty="0"/>
           </a:p>
         </p:txBody>
       </p:sp>
@@ -173,8 +178,8 @@
         </p:nvSpPr>
         <p:spPr>
           <a:xfrm>
-            <a:off x="1524000" y="3602038"/>
-            <a:ext cx="9144000" cy="1655762"/>
+            <a:off x="1143000" y="3602038"/>
+            <a:ext cx="6858000" cy="1655762"/>
           </a:xfrm>
         </p:spPr>
         <p:txBody>
@@ -222,7 +227,7 @@
               <a:rPr lang="en-US" smtClean="0"/>
               <a:t>Click to edit Master subtitle style</a:t>
             </a:r>
-            <a:endParaRPr lang="en-AU"/>
+            <a:endParaRPr lang="en-US" dirty="0"/>
           </a:p>
         </p:txBody>
       </p:sp>
@@ -243,7 +248,7 @@
           <a:p>
             <a:fld id="{93B8F481-3682-43A0-828E-F0C9BA94C00E}" type="datetimeFigureOut">
               <a:rPr lang="en-AU" smtClean="0"/>
-              <a:t>27/01/2021</a:t>
+              <a:t>4/04/2021</a:t>
             </a:fld>
             <a:endParaRPr lang="en-AU"/>
           </a:p>
@@ -294,7 +299,7 @@
     </p:spTree>
     <p:extLst>
       <p:ext uri="{BB962C8B-B14F-4D97-AF65-F5344CB8AC3E}">
-        <p14:creationId xmlns:p14="http://schemas.microsoft.com/office/powerpoint/2010/main" val="1302548976"/>
+        <p14:creationId xmlns:p14="http://schemas.microsoft.com/office/powerpoint/2010/main" val="733892224"/>
       </p:ext>
     </p:extLst>
   </p:cSld>
@@ -340,7 +345,7 @@
               <a:rPr lang="en-US" smtClean="0"/>
               <a:t>Click to edit Master title style</a:t>
             </a:r>
-            <a:endParaRPr lang="en-AU"/>
+            <a:endParaRPr lang="en-US" dirty="0"/>
           </a:p>
         </p:txBody>
       </p:sp>
@@ -392,7 +397,7 @@
               <a:rPr lang="en-US" smtClean="0"/>
               <a:t>Fifth level</a:t>
             </a:r>
-            <a:endParaRPr lang="en-AU"/>
+            <a:endParaRPr lang="en-US" dirty="0"/>
           </a:p>
         </p:txBody>
       </p:sp>
@@ -413,7 +418,7 @@
           <a:p>
             <a:fld id="{93B8F481-3682-43A0-828E-F0C9BA94C00E}" type="datetimeFigureOut">
               <a:rPr lang="en-AU" smtClean="0"/>
-              <a:t>27/01/2021</a:t>
+              <a:t>4/04/2021</a:t>
             </a:fld>
             <a:endParaRPr lang="en-AU"/>
           </a:p>
@@ -464,7 +469,7 @@
     </p:spTree>
     <p:extLst>
       <p:ext uri="{BB962C8B-B14F-4D97-AF65-F5344CB8AC3E}">
-        <p14:creationId xmlns:p14="http://schemas.microsoft.com/office/powerpoint/2010/main" val="1247672006"/>
+        <p14:creationId xmlns:p14="http://schemas.microsoft.com/office/powerpoint/2010/main" val="639268480"/>
       </p:ext>
     </p:extLst>
   </p:cSld>
@@ -503,8 +508,8 @@
         </p:nvSpPr>
         <p:spPr>
           <a:xfrm>
-            <a:off x="8724900" y="365125"/>
-            <a:ext cx="2628900" cy="5811838"/>
+            <a:off x="6543675" y="365125"/>
+            <a:ext cx="1971675" cy="5811838"/>
           </a:xfrm>
         </p:spPr>
         <p:txBody>
@@ -515,7 +520,7 @@
               <a:rPr lang="en-US" smtClean="0"/>
               <a:t>Click to edit Master title style</a:t>
             </a:r>
-            <a:endParaRPr lang="en-AU"/>
+            <a:endParaRPr lang="en-US" dirty="0"/>
           </a:p>
         </p:txBody>
       </p:sp>
@@ -531,8 +536,8 @@
         </p:nvSpPr>
         <p:spPr>
           <a:xfrm>
-            <a:off x="838200" y="365125"/>
-            <a:ext cx="7734300" cy="5811838"/>
+            <a:off x="628650" y="365125"/>
+            <a:ext cx="5800725" cy="5811838"/>
           </a:xfrm>
         </p:spPr>
         <p:txBody>
@@ -572,7 +577,7 @@
               <a:rPr lang="en-US" smtClean="0"/>
               <a:t>Fifth level</a:t>
             </a:r>
-            <a:endParaRPr lang="en-AU"/>
+            <a:endParaRPr lang="en-US" dirty="0"/>
           </a:p>
         </p:txBody>
       </p:sp>
@@ -593,7 +598,7 @@
           <a:p>
             <a:fld id="{93B8F481-3682-43A0-828E-F0C9BA94C00E}" type="datetimeFigureOut">
               <a:rPr lang="en-AU" smtClean="0"/>
-              <a:t>27/01/2021</a:t>
+              <a:t>4/04/2021</a:t>
             </a:fld>
             <a:endParaRPr lang="en-AU"/>
           </a:p>
@@ -644,7 +649,7 @@
     </p:spTree>
     <p:extLst>
       <p:ext uri="{BB962C8B-B14F-4D97-AF65-F5344CB8AC3E}">
-        <p14:creationId xmlns:p14="http://schemas.microsoft.com/office/powerpoint/2010/main" val="1496847011"/>
+        <p14:creationId xmlns:p14="http://schemas.microsoft.com/office/powerpoint/2010/main" val="3892431945"/>
       </p:ext>
     </p:extLst>
   </p:cSld>
@@ -690,7 +695,7 @@
               <a:rPr lang="en-US" smtClean="0"/>
               <a:t>Click to edit Master title style</a:t>
             </a:r>
-            <a:endParaRPr lang="en-AU"/>
+            <a:endParaRPr lang="en-US" dirty="0"/>
           </a:p>
         </p:txBody>
       </p:sp>
@@ -742,7 +747,7 @@
               <a:rPr lang="en-US" smtClean="0"/>
               <a:t>Fifth level</a:t>
             </a:r>
-            <a:endParaRPr lang="en-AU"/>
+            <a:endParaRPr lang="en-US" dirty="0"/>
           </a:p>
         </p:txBody>
       </p:sp>
@@ -763,7 +768,7 @@
           <a:p>
             <a:fld id="{93B8F481-3682-43A0-828E-F0C9BA94C00E}" type="datetimeFigureOut">
               <a:rPr lang="en-AU" smtClean="0"/>
-              <a:t>27/01/2021</a:t>
+              <a:t>4/04/2021</a:t>
             </a:fld>
             <a:endParaRPr lang="en-AU"/>
           </a:p>
@@ -814,7 +819,7 @@
     </p:spTree>
     <p:extLst>
       <p:ext uri="{BB962C8B-B14F-4D97-AF65-F5344CB8AC3E}">
-        <p14:creationId xmlns:p14="http://schemas.microsoft.com/office/powerpoint/2010/main" val="225657933"/>
+        <p14:creationId xmlns:p14="http://schemas.microsoft.com/office/powerpoint/2010/main" val="4150459971"/>
       </p:ext>
     </p:extLst>
   </p:cSld>
@@ -853,8 +858,8 @@
         </p:nvSpPr>
         <p:spPr>
           <a:xfrm>
-            <a:off x="831850" y="1709738"/>
-            <a:ext cx="10515600" cy="2852737"/>
+            <a:off x="623888" y="1709739"/>
+            <a:ext cx="7886700" cy="2852737"/>
           </a:xfrm>
         </p:spPr>
         <p:txBody>
@@ -869,7 +874,7 @@
               <a:rPr lang="en-US" smtClean="0"/>
               <a:t>Click to edit Master title style</a:t>
             </a:r>
-            <a:endParaRPr lang="en-AU"/>
+            <a:endParaRPr lang="en-US" dirty="0"/>
           </a:p>
         </p:txBody>
       </p:sp>
@@ -885,8 +890,8 @@
         </p:nvSpPr>
         <p:spPr>
           <a:xfrm>
-            <a:off x="831850" y="4589463"/>
-            <a:ext cx="10515600" cy="1500187"/>
+            <a:off x="623888" y="4589464"/>
+            <a:ext cx="7886700" cy="1500187"/>
           </a:xfrm>
         </p:spPr>
         <p:txBody>
@@ -896,9 +901,7 @@
               <a:buNone/>
               <a:defRPr sz="2400">
                 <a:solidFill>
-                  <a:schemeClr val="tx1">
-                    <a:tint val="75000"/>
-                  </a:schemeClr>
+                  <a:schemeClr val="tx1"/>
                 </a:solidFill>
               </a:defRPr>
             </a:lvl1pPr>
@@ -1009,7 +1012,7 @@
           <a:p>
             <a:fld id="{93B8F481-3682-43A0-828E-F0C9BA94C00E}" type="datetimeFigureOut">
               <a:rPr lang="en-AU" smtClean="0"/>
-              <a:t>27/01/2021</a:t>
+              <a:t>4/04/2021</a:t>
             </a:fld>
             <a:endParaRPr lang="en-AU"/>
           </a:p>
@@ -1060,7 +1063,7 @@
     </p:spTree>
     <p:extLst>
       <p:ext uri="{BB962C8B-B14F-4D97-AF65-F5344CB8AC3E}">
-        <p14:creationId xmlns:p14="http://schemas.microsoft.com/office/powerpoint/2010/main" val="2285266179"/>
+        <p14:creationId xmlns:p14="http://schemas.microsoft.com/office/powerpoint/2010/main" val="3358391639"/>
       </p:ext>
     </p:extLst>
   </p:cSld>
@@ -1106,7 +1109,7 @@
               <a:rPr lang="en-US" smtClean="0"/>
               <a:t>Click to edit Master title style</a:t>
             </a:r>
-            <a:endParaRPr lang="en-AU"/>
+            <a:endParaRPr lang="en-US" dirty="0"/>
           </a:p>
         </p:txBody>
       </p:sp>
@@ -1122,8 +1125,8 @@
         </p:nvSpPr>
         <p:spPr>
           <a:xfrm>
-            <a:off x="838200" y="1825625"/>
-            <a:ext cx="5181600" cy="4351338"/>
+            <a:off x="628650" y="1825625"/>
+            <a:ext cx="3886200" cy="4351338"/>
           </a:xfrm>
         </p:spPr>
         <p:txBody>
@@ -1163,7 +1166,7 @@
               <a:rPr lang="en-US" smtClean="0"/>
               <a:t>Fifth level</a:t>
             </a:r>
-            <a:endParaRPr lang="en-AU"/>
+            <a:endParaRPr lang="en-US" dirty="0"/>
           </a:p>
         </p:txBody>
       </p:sp>
@@ -1179,8 +1182,8 @@
         </p:nvSpPr>
         <p:spPr>
           <a:xfrm>
-            <a:off x="6172200" y="1825625"/>
-            <a:ext cx="5181600" cy="4351338"/>
+            <a:off x="4629150" y="1825625"/>
+            <a:ext cx="3886200" cy="4351338"/>
           </a:xfrm>
         </p:spPr>
         <p:txBody>
@@ -1220,7 +1223,7 @@
               <a:rPr lang="en-US" smtClean="0"/>
               <a:t>Fifth level</a:t>
             </a:r>
-            <a:endParaRPr lang="en-AU"/>
+            <a:endParaRPr lang="en-US" dirty="0"/>
           </a:p>
         </p:txBody>
       </p:sp>
@@ -1241,7 +1244,7 @@
           <a:p>
             <a:fld id="{93B8F481-3682-43A0-828E-F0C9BA94C00E}" type="datetimeFigureOut">
               <a:rPr lang="en-AU" smtClean="0"/>
-              <a:t>27/01/2021</a:t>
+              <a:t>4/04/2021</a:t>
             </a:fld>
             <a:endParaRPr lang="en-AU"/>
           </a:p>
@@ -1292,7 +1295,7 @@
     </p:spTree>
     <p:extLst>
       <p:ext uri="{BB962C8B-B14F-4D97-AF65-F5344CB8AC3E}">
-        <p14:creationId xmlns:p14="http://schemas.microsoft.com/office/powerpoint/2010/main" val="4051494656"/>
+        <p14:creationId xmlns:p14="http://schemas.microsoft.com/office/powerpoint/2010/main" val="3528850925"/>
       </p:ext>
     </p:extLst>
   </p:cSld>
@@ -1331,8 +1334,8 @@
         </p:nvSpPr>
         <p:spPr>
           <a:xfrm>
-            <a:off x="839788" y="365125"/>
-            <a:ext cx="10515600" cy="1325563"/>
+            <a:off x="629841" y="365126"/>
+            <a:ext cx="7886700" cy="1325563"/>
           </a:xfrm>
         </p:spPr>
         <p:txBody>
@@ -1343,7 +1346,7 @@
               <a:rPr lang="en-US" smtClean="0"/>
               <a:t>Click to edit Master title style</a:t>
             </a:r>
-            <a:endParaRPr lang="en-AU"/>
+            <a:endParaRPr lang="en-US" dirty="0"/>
           </a:p>
         </p:txBody>
       </p:sp>
@@ -1359,8 +1362,8 @@
         </p:nvSpPr>
         <p:spPr>
           <a:xfrm>
-            <a:off x="839788" y="1681163"/>
-            <a:ext cx="5157787" cy="823912"/>
+            <a:off x="629842" y="1681163"/>
+            <a:ext cx="3868340" cy="823912"/>
           </a:xfrm>
         </p:spPr>
         <p:txBody>
@@ -1424,8 +1427,8 @@
         </p:nvSpPr>
         <p:spPr>
           <a:xfrm>
-            <a:off x="839788" y="2505075"/>
-            <a:ext cx="5157787" cy="3684588"/>
+            <a:off x="629842" y="2505075"/>
+            <a:ext cx="3868340" cy="3684588"/>
           </a:xfrm>
         </p:spPr>
         <p:txBody>
@@ -1465,7 +1468,7 @@
               <a:rPr lang="en-US" smtClean="0"/>
               <a:t>Fifth level</a:t>
             </a:r>
-            <a:endParaRPr lang="en-AU"/>
+            <a:endParaRPr lang="en-US" dirty="0"/>
           </a:p>
         </p:txBody>
       </p:sp>
@@ -1481,8 +1484,8 @@
         </p:nvSpPr>
         <p:spPr>
           <a:xfrm>
-            <a:off x="6172200" y="1681163"/>
-            <a:ext cx="5183188" cy="823912"/>
+            <a:off x="4629150" y="1681163"/>
+            <a:ext cx="3887391" cy="823912"/>
           </a:xfrm>
         </p:spPr>
         <p:txBody>
@@ -1546,8 +1549,8 @@
         </p:nvSpPr>
         <p:spPr>
           <a:xfrm>
-            <a:off x="6172200" y="2505075"/>
-            <a:ext cx="5183188" cy="3684588"/>
+            <a:off x="4629150" y="2505075"/>
+            <a:ext cx="3887391" cy="3684588"/>
           </a:xfrm>
         </p:spPr>
         <p:txBody>
@@ -1587,7 +1590,7 @@
               <a:rPr lang="en-US" smtClean="0"/>
               <a:t>Fifth level</a:t>
             </a:r>
-            <a:endParaRPr lang="en-AU"/>
+            <a:endParaRPr lang="en-US" dirty="0"/>
           </a:p>
         </p:txBody>
       </p:sp>
@@ -1608,7 +1611,7 @@
           <a:p>
             <a:fld id="{93B8F481-3682-43A0-828E-F0C9BA94C00E}" type="datetimeFigureOut">
               <a:rPr lang="en-AU" smtClean="0"/>
-              <a:t>27/01/2021</a:t>
+              <a:t>4/04/2021</a:t>
             </a:fld>
             <a:endParaRPr lang="en-AU"/>
           </a:p>
@@ -1659,7 +1662,7 @@
     </p:spTree>
     <p:extLst>
       <p:ext uri="{BB962C8B-B14F-4D97-AF65-F5344CB8AC3E}">
-        <p14:creationId xmlns:p14="http://schemas.microsoft.com/office/powerpoint/2010/main" val="3842547461"/>
+        <p14:creationId xmlns:p14="http://schemas.microsoft.com/office/powerpoint/2010/main" val="1081933149"/>
       </p:ext>
     </p:extLst>
   </p:cSld>
@@ -1705,7 +1708,7 @@
               <a:rPr lang="en-US" smtClean="0"/>
               <a:t>Click to edit Master title style</a:t>
             </a:r>
-            <a:endParaRPr lang="en-AU"/>
+            <a:endParaRPr lang="en-US" dirty="0"/>
           </a:p>
         </p:txBody>
       </p:sp>
@@ -1726,7 +1729,7 @@
           <a:p>
             <a:fld id="{93B8F481-3682-43A0-828E-F0C9BA94C00E}" type="datetimeFigureOut">
               <a:rPr lang="en-AU" smtClean="0"/>
-              <a:t>27/01/2021</a:t>
+              <a:t>4/04/2021</a:t>
             </a:fld>
             <a:endParaRPr lang="en-AU"/>
           </a:p>
@@ -1777,7 +1780,7 @@
     </p:spTree>
     <p:extLst>
       <p:ext uri="{BB962C8B-B14F-4D97-AF65-F5344CB8AC3E}">
-        <p14:creationId xmlns:p14="http://schemas.microsoft.com/office/powerpoint/2010/main" val="518949410"/>
+        <p14:creationId xmlns:p14="http://schemas.microsoft.com/office/powerpoint/2010/main" val="3911040394"/>
       </p:ext>
     </p:extLst>
   </p:cSld>
@@ -1821,7 +1824,7 @@
           <a:p>
             <a:fld id="{93B8F481-3682-43A0-828E-F0C9BA94C00E}" type="datetimeFigureOut">
               <a:rPr lang="en-AU" smtClean="0"/>
-              <a:t>27/01/2021</a:t>
+              <a:t>4/04/2021</a:t>
             </a:fld>
             <a:endParaRPr lang="en-AU"/>
           </a:p>
@@ -1872,7 +1875,7 @@
     </p:spTree>
     <p:extLst>
       <p:ext uri="{BB962C8B-B14F-4D97-AF65-F5344CB8AC3E}">
-        <p14:creationId xmlns:p14="http://schemas.microsoft.com/office/powerpoint/2010/main" val="3010711327"/>
+        <p14:creationId xmlns:p14="http://schemas.microsoft.com/office/powerpoint/2010/main" val="1081973121"/>
       </p:ext>
     </p:extLst>
   </p:cSld>
@@ -1911,8 +1914,8 @@
         </p:nvSpPr>
         <p:spPr>
           <a:xfrm>
-            <a:off x="839788" y="457200"/>
-            <a:ext cx="3932237" cy="1600200"/>
+            <a:off x="629841" y="457200"/>
+            <a:ext cx="2949178" cy="1600200"/>
           </a:xfrm>
         </p:spPr>
         <p:txBody>
@@ -1927,7 +1930,7 @@
               <a:rPr lang="en-US" smtClean="0"/>
               <a:t>Click to edit Master title style</a:t>
             </a:r>
-            <a:endParaRPr lang="en-AU"/>
+            <a:endParaRPr lang="en-US" dirty="0"/>
           </a:p>
         </p:txBody>
       </p:sp>
@@ -1943,8 +1946,8 @@
         </p:nvSpPr>
         <p:spPr>
           <a:xfrm>
-            <a:off x="5183188" y="987425"/>
-            <a:ext cx="6172200" cy="4873625"/>
+            <a:off x="3887391" y="987426"/>
+            <a:ext cx="4629150" cy="4873625"/>
           </a:xfrm>
         </p:spPr>
         <p:txBody>
@@ -2012,7 +2015,7 @@
               <a:rPr lang="en-US" smtClean="0"/>
               <a:t>Fifth level</a:t>
             </a:r>
-            <a:endParaRPr lang="en-AU"/>
+            <a:endParaRPr lang="en-US" dirty="0"/>
           </a:p>
         </p:txBody>
       </p:sp>
@@ -2028,8 +2031,8 @@
         </p:nvSpPr>
         <p:spPr>
           <a:xfrm>
-            <a:off x="839788" y="2057400"/>
-            <a:ext cx="3932237" cy="3811588"/>
+            <a:off x="629841" y="2057400"/>
+            <a:ext cx="2949178" cy="3811588"/>
           </a:xfrm>
         </p:spPr>
         <p:txBody>
@@ -2098,7 +2101,7 @@
           <a:p>
             <a:fld id="{93B8F481-3682-43A0-828E-F0C9BA94C00E}" type="datetimeFigureOut">
               <a:rPr lang="en-AU" smtClean="0"/>
-              <a:t>27/01/2021</a:t>
+              <a:t>4/04/2021</a:t>
             </a:fld>
             <a:endParaRPr lang="en-AU"/>
           </a:p>
@@ -2149,7 +2152,7 @@
     </p:spTree>
     <p:extLst>
       <p:ext uri="{BB962C8B-B14F-4D97-AF65-F5344CB8AC3E}">
-        <p14:creationId xmlns:p14="http://schemas.microsoft.com/office/powerpoint/2010/main" val="2233728946"/>
+        <p14:creationId xmlns:p14="http://schemas.microsoft.com/office/powerpoint/2010/main" val="1579607071"/>
       </p:ext>
     </p:extLst>
   </p:cSld>
@@ -2188,8 +2191,8 @@
         </p:nvSpPr>
         <p:spPr>
           <a:xfrm>
-            <a:off x="839788" y="457200"/>
-            <a:ext cx="3932237" cy="1600200"/>
+            <a:off x="629841" y="457200"/>
+            <a:ext cx="2949178" cy="1600200"/>
           </a:xfrm>
         </p:spPr>
         <p:txBody>
@@ -2204,7 +2207,7 @@
               <a:rPr lang="en-US" smtClean="0"/>
               <a:t>Click to edit Master title style</a:t>
             </a:r>
-            <a:endParaRPr lang="en-AU"/>
+            <a:endParaRPr lang="en-US" dirty="0"/>
           </a:p>
         </p:txBody>
       </p:sp>
@@ -2212,7 +2215,7 @@
         <p:nvSpPr>
           <p:cNvPr id="3" name="Picture Placeholder 2"/>
           <p:cNvSpPr>
-            <a:spLocks noGrp="1"/>
+            <a:spLocks noGrp="1" noChangeAspect="1"/>
           </p:cNvSpPr>
           <p:nvPr>
             <p:ph type="pic" idx="1"/>
@@ -2220,8 +2223,73 @@
         </p:nvSpPr>
         <p:spPr>
           <a:xfrm>
-            <a:off x="5183188" y="987425"/>
-            <a:ext cx="6172200" cy="4873625"/>
+            <a:off x="3887391" y="987426"/>
+            <a:ext cx="4629150" cy="4873625"/>
+          </a:xfrm>
+        </p:spPr>
+        <p:txBody>
+          <a:bodyPr anchor="t"/>
+          <a:lstStyle>
+            <a:lvl1pPr marL="0" indent="0">
+              <a:buNone/>
+              <a:defRPr sz="3200"/>
+            </a:lvl1pPr>
+            <a:lvl2pPr marL="457200" indent="0">
+              <a:buNone/>
+              <a:defRPr sz="2800"/>
+            </a:lvl2pPr>
+            <a:lvl3pPr marL="914400" indent="0">
+              <a:buNone/>
+              <a:defRPr sz="2400"/>
+            </a:lvl3pPr>
+            <a:lvl4pPr marL="1371600" indent="0">
+              <a:buNone/>
+              <a:defRPr sz="2000"/>
+            </a:lvl4pPr>
+            <a:lvl5pPr marL="1828800" indent="0">
+              <a:buNone/>
+              <a:defRPr sz="2000"/>
+            </a:lvl5pPr>
+            <a:lvl6pPr marL="2286000" indent="0">
+              <a:buNone/>
+              <a:defRPr sz="2000"/>
+            </a:lvl6pPr>
+            <a:lvl7pPr marL="2743200" indent="0">
+              <a:buNone/>
+              <a:defRPr sz="2000"/>
+            </a:lvl7pPr>
+            <a:lvl8pPr marL="3200400" indent="0">
+              <a:buNone/>
+              <a:defRPr sz="2000"/>
+            </a:lvl8pPr>
+            <a:lvl9pPr marL="3657600" indent="0">
+              <a:buNone/>
+              <a:defRPr sz="2000"/>
+            </a:lvl9pPr>
+          </a:lstStyle>
+          <a:p>
+            <a:r>
+              <a:rPr lang="en-US" smtClean="0"/>
+              <a:t>Click icon to add picture</a:t>
+            </a:r>
+            <a:endParaRPr lang="en-US" dirty="0"/>
+          </a:p>
+        </p:txBody>
+      </p:sp>
+      <p:sp>
+        <p:nvSpPr>
+          <p:cNvPr id="4" name="Text Placeholder 3"/>
+          <p:cNvSpPr>
+            <a:spLocks noGrp="1"/>
+          </p:cNvSpPr>
+          <p:nvPr>
+            <p:ph type="body" sz="half" idx="2"/>
+          </p:nvPr>
+        </p:nvSpPr>
+        <p:spPr>
+          <a:xfrm>
+            <a:off x="629841" y="2057400"/>
+            <a:ext cx="2949178" cy="3811588"/>
           </a:xfrm>
         </p:spPr>
         <p:txBody>
@@ -2229,67 +2297,6 @@
           <a:lstStyle>
             <a:lvl1pPr marL="0" indent="0">
               <a:buNone/>
-              <a:defRPr sz="3200"/>
-            </a:lvl1pPr>
-            <a:lvl2pPr marL="457200" indent="0">
-              <a:buNone/>
-              <a:defRPr sz="2800"/>
-            </a:lvl2pPr>
-            <a:lvl3pPr marL="914400" indent="0">
-              <a:buNone/>
-              <a:defRPr sz="2400"/>
-            </a:lvl3pPr>
-            <a:lvl4pPr marL="1371600" indent="0">
-              <a:buNone/>
-              <a:defRPr sz="2000"/>
-            </a:lvl4pPr>
-            <a:lvl5pPr marL="1828800" indent="0">
-              <a:buNone/>
-              <a:defRPr sz="2000"/>
-            </a:lvl5pPr>
-            <a:lvl6pPr marL="2286000" indent="0">
-              <a:buNone/>
-              <a:defRPr sz="2000"/>
-            </a:lvl6pPr>
-            <a:lvl7pPr marL="2743200" indent="0">
-              <a:buNone/>
-              <a:defRPr sz="2000"/>
-            </a:lvl7pPr>
-            <a:lvl8pPr marL="3200400" indent="0">
-              <a:buNone/>
-              <a:defRPr sz="2000"/>
-            </a:lvl8pPr>
-            <a:lvl9pPr marL="3657600" indent="0">
-              <a:buNone/>
-              <a:defRPr sz="2000"/>
-            </a:lvl9pPr>
-          </a:lstStyle>
-          <a:p>
-            <a:endParaRPr lang="en-AU"/>
-          </a:p>
-        </p:txBody>
-      </p:sp>
-      <p:sp>
-        <p:nvSpPr>
-          <p:cNvPr id="4" name="Text Placeholder 3"/>
-          <p:cNvSpPr>
-            <a:spLocks noGrp="1"/>
-          </p:cNvSpPr>
-          <p:nvPr>
-            <p:ph type="body" sz="half" idx="2"/>
-          </p:nvPr>
-        </p:nvSpPr>
-        <p:spPr>
-          <a:xfrm>
-            <a:off x="839788" y="2057400"/>
-            <a:ext cx="3932237" cy="3811588"/>
-          </a:xfrm>
-        </p:spPr>
-        <p:txBody>
-          <a:bodyPr/>
-          <a:lstStyle>
-            <a:lvl1pPr marL="0" indent="0">
-              <a:buNone/>
               <a:defRPr sz="1600"/>
             </a:lvl1pPr>
             <a:lvl2pPr marL="457200" indent="0">
@@ -2351,7 +2358,7 @@
           <a:p>
             <a:fld id="{93B8F481-3682-43A0-828E-F0C9BA94C00E}" type="datetimeFigureOut">
               <a:rPr lang="en-AU" smtClean="0"/>
-              <a:t>27/01/2021</a:t>
+              <a:t>4/04/2021</a:t>
             </a:fld>
             <a:endParaRPr lang="en-AU"/>
           </a:p>
@@ -2402,7 +2409,7 @@
     </p:spTree>
     <p:extLst>
       <p:ext uri="{BB962C8B-B14F-4D97-AF65-F5344CB8AC3E}">
-        <p14:creationId xmlns:p14="http://schemas.microsoft.com/office/powerpoint/2010/main" val="4273210220"/>
+        <p14:creationId xmlns:p14="http://schemas.microsoft.com/office/powerpoint/2010/main" val="2205381903"/>
       </p:ext>
     </p:extLst>
   </p:cSld>
@@ -2446,8 +2453,8 @@
         </p:nvSpPr>
         <p:spPr>
           <a:xfrm>
-            <a:off x="838200" y="365125"/>
-            <a:ext cx="10515600" cy="1325563"/>
+            <a:off x="628650" y="365126"/>
+            <a:ext cx="7886700" cy="1325563"/>
           </a:xfrm>
           <a:prstGeom prst="rect">
             <a:avLst/>
@@ -2463,7 +2470,7 @@
               <a:rPr lang="en-US" smtClean="0"/>
               <a:t>Click to edit Master title style</a:t>
             </a:r>
-            <a:endParaRPr lang="en-AU"/>
+            <a:endParaRPr lang="en-US" dirty="0"/>
           </a:p>
         </p:txBody>
       </p:sp>
@@ -2479,8 +2486,8 @@
         </p:nvSpPr>
         <p:spPr>
           <a:xfrm>
-            <a:off x="838200" y="1825625"/>
-            <a:ext cx="10515600" cy="4351338"/>
+            <a:off x="628650" y="1825625"/>
+            <a:ext cx="7886700" cy="4351338"/>
           </a:xfrm>
           <a:prstGeom prst="rect">
             <a:avLst/>
@@ -2525,7 +2532,7 @@
               <a:rPr lang="en-US" smtClean="0"/>
               <a:t>Fifth level</a:t>
             </a:r>
-            <a:endParaRPr lang="en-AU"/>
+            <a:endParaRPr lang="en-US" dirty="0"/>
           </a:p>
         </p:txBody>
       </p:sp>
@@ -2541,8 +2548,8 @@
         </p:nvSpPr>
         <p:spPr>
           <a:xfrm>
-            <a:off x="838200" y="6356350"/>
-            <a:ext cx="2743200" cy="365125"/>
+            <a:off x="628650" y="6356351"/>
+            <a:ext cx="2057400" cy="365125"/>
           </a:xfrm>
           <a:prstGeom prst="rect">
             <a:avLst/>
@@ -2564,7 +2571,7 @@
           <a:p>
             <a:fld id="{93B8F481-3682-43A0-828E-F0C9BA94C00E}" type="datetimeFigureOut">
               <a:rPr lang="en-AU" smtClean="0"/>
-              <a:t>27/01/2021</a:t>
+              <a:t>4/04/2021</a:t>
             </a:fld>
             <a:endParaRPr lang="en-AU"/>
           </a:p>
@@ -2582,8 +2589,8 @@
         </p:nvSpPr>
         <p:spPr>
           <a:xfrm>
-            <a:off x="4038600" y="6356350"/>
-            <a:ext cx="4114800" cy="365125"/>
+            <a:off x="3028950" y="6356351"/>
+            <a:ext cx="3086100" cy="365125"/>
           </a:xfrm>
           <a:prstGeom prst="rect">
             <a:avLst/>
@@ -2619,8 +2626,8 @@
         </p:nvSpPr>
         <p:spPr>
           <a:xfrm>
-            <a:off x="8610600" y="6356350"/>
-            <a:ext cx="2743200" cy="365125"/>
+            <a:off x="6457950" y="6356351"/>
+            <a:ext cx="2057400" cy="365125"/>
           </a:xfrm>
           <a:prstGeom prst="rect">
             <a:avLst/>
@@ -2651,23 +2658,23 @@
     </p:spTree>
     <p:extLst>
       <p:ext uri="{BB962C8B-B14F-4D97-AF65-F5344CB8AC3E}">
-        <p14:creationId xmlns:p14="http://schemas.microsoft.com/office/powerpoint/2010/main" val="3128029870"/>
+        <p14:creationId xmlns:p14="http://schemas.microsoft.com/office/powerpoint/2010/main" val="3716026284"/>
       </p:ext>
     </p:extLst>
   </p:cSld>
   <p:clrMap bg1="lt1" tx1="dk1" bg2="lt2" tx2="dk2" accent1="accent1" accent2="accent2" accent3="accent3" accent4="accent4" accent5="accent5" accent6="accent6" hlink="hlink" folHlink="folHlink"/>
   <p:sldLayoutIdLst>
-    <p:sldLayoutId id="2147483649" r:id="rId1"/>
-    <p:sldLayoutId id="2147483650" r:id="rId2"/>
-    <p:sldLayoutId id="2147483651" r:id="rId3"/>
-    <p:sldLayoutId id="2147483652" r:id="rId4"/>
-    <p:sldLayoutId id="2147483653" r:id="rId5"/>
-    <p:sldLayoutId id="2147483654" r:id="rId6"/>
-    <p:sldLayoutId id="2147483655" r:id="rId7"/>
-    <p:sldLayoutId id="2147483656" r:id="rId8"/>
-    <p:sldLayoutId id="2147483657" r:id="rId9"/>
-    <p:sldLayoutId id="2147483658" r:id="rId10"/>
-    <p:sldLayoutId id="2147483659" r:id="rId11"/>
+    <p:sldLayoutId id="2147483661" r:id="rId1"/>
+    <p:sldLayoutId id="2147483662" r:id="rId2"/>
+    <p:sldLayoutId id="2147483663" r:id="rId3"/>
+    <p:sldLayoutId id="2147483664" r:id="rId4"/>
+    <p:sldLayoutId id="2147483665" r:id="rId5"/>
+    <p:sldLayoutId id="2147483666" r:id="rId6"/>
+    <p:sldLayoutId id="2147483667" r:id="rId7"/>
+    <p:sldLayoutId id="2147483668" r:id="rId8"/>
+    <p:sldLayoutId id="2147483669" r:id="rId9"/>
+    <p:sldLayoutId id="2147483670" r:id="rId10"/>
+    <p:sldLayoutId id="2147483671" r:id="rId11"/>
   </p:sldLayoutIdLst>
   <p:txStyles>
     <p:titleStyle>
@@ -2971,273 +2978,974 @@
       </p:grpSpPr>
       <p:sp>
         <p:nvSpPr>
-          <p:cNvPr id="7" name="Rectangle 5"/>
-          <p:cNvSpPr>
-            <a:spLocks noGrp="1" noChangeArrowheads="1"/>
+          <p:cNvPr id="2" name="Title 1"/>
+          <p:cNvSpPr>
+            <a:spLocks noGrp="1"/>
           </p:cNvSpPr>
           <p:nvPr>
             <p:ph type="title"/>
           </p:nvPr>
         </p:nvSpPr>
-        <p:spPr bwMode="auto">
-          <a:xfrm>
-            <a:off x="838200" y="581631"/>
-            <a:ext cx="9618018" cy="892552"/>
-          </a:xfrm>
-          <a:prstGeom prst="rect">
-            <a:avLst/>
-          </a:prstGeom>
-          <a:solidFill>
-            <a:srgbClr val="FFFFFF"/>
-          </a:solidFill>
-          <a:ln>
-            <a:noFill/>
-          </a:ln>
-          <a:effectLst/>
-          <a:extLst>
-            <a:ext uri="{91240B29-F687-4F45-9708-019B960494DF}">
-              <a14:hiddenLine xmlns:a14="http://schemas.microsoft.com/office/drawing/2010/main" w="9525">
-                <a:solidFill>
-                  <a:schemeClr val="tx1"/>
-                </a:solidFill>
-                <a:miter lim="800000"/>
-                <a:headEnd/>
-                <a:tailEnd/>
-              </a14:hiddenLine>
-            </a:ext>
-            <a:ext uri="{AF507438-7753-43E0-B8FC-AC1667EBCBE1}">
-              <a14:hiddenEffects xmlns:a14="http://schemas.microsoft.com/office/drawing/2010/main">
-                <a:effectLst>
-                  <a:outerShdw dist="35921" dir="2700000" algn="ctr" rotWithShape="0">
-                    <a:schemeClr val="bg2"/>
-                  </a:outerShdw>
-                </a:effectLst>
-              </a14:hiddenEffects>
-            </a:ext>
-          </a:extLst>
-        </p:spPr>
-        <p:txBody>
-          <a:bodyPr vert="horz" wrap="none" lIns="0" tIns="0" rIns="0" bIns="0" numCol="1" anchor="ctr" anchorCtr="0" compatLnSpc="1">
-            <a:prstTxWarp prst="textNoShape">
-              <a:avLst/>
-            </a:prstTxWarp>
-            <a:spAutoFit/>
-          </a:bodyPr>
+        <p:spPr/>
+        <p:txBody>
+          <a:bodyPr/>
           <a:lstStyle/>
           <a:p>
-            <a:pPr eaLnBrk="0" fontAlgn="base" hangingPunct="0">
-              <a:lnSpc>
-                <a:spcPct val="100000"/>
-              </a:lnSpc>
-              <a:spcAft>
-                <a:spcPct val="0"/>
-              </a:spcAft>
-            </a:pPr>
-            <a:r>
-              <a:rPr kumimoji="0" lang="en-US" altLang="en-US" sz="1000" b="0" i="0" u="none" strike="noStrike" cap="none" normalizeH="0" baseline="0" dirty="0" smtClean="0">
-                <a:ln>
-                  <a:noFill/>
-                </a:ln>
-                <a:solidFill>
-                  <a:srgbClr val="000000"/>
-                </a:solidFill>
-                <a:effectLst/>
-                <a:latin typeface="Courier New" panose="02070309020205020404" pitchFamily="49" charset="0"/>
-              </a:rPr>
-              <a:t>LOCATIONS</a:t>
-            </a:r>
-            <a:br>
-              <a:rPr kumimoji="0" lang="en-US" altLang="en-US" sz="1000" b="0" i="0" u="none" strike="noStrike" cap="none" normalizeH="0" baseline="0" dirty="0" smtClean="0">
-                <a:ln>
-                  <a:noFill/>
-                </a:ln>
-                <a:solidFill>
-                  <a:srgbClr val="000000"/>
-                </a:solidFill>
-                <a:effectLst/>
-                <a:latin typeface="Courier New" panose="02070309020205020404" pitchFamily="49" charset="0"/>
-              </a:rPr>
-            </a:br>
-            <a:r>
-              <a:rPr kumimoji="0" lang="en-US" altLang="en-US" sz="1000" b="0" i="0" u="none" strike="noStrike" cap="none" normalizeH="0" baseline="0" dirty="0" err="1" smtClean="0">
-                <a:ln>
-                  <a:noFill/>
-                </a:ln>
-                <a:solidFill>
-                  <a:srgbClr val="000000"/>
-                </a:solidFill>
-                <a:effectLst/>
-                <a:latin typeface="Courier New" panose="02070309020205020404" pitchFamily="49" charset="0"/>
-              </a:rPr>
-              <a:t>dfnegsub</a:t>
-            </a:r>
-            <a:r>
-              <a:rPr kumimoji="0" lang="en-US" altLang="en-US" sz="1000" b="0" i="0" u="none" strike="noStrike" cap="none" normalizeH="0" baseline="0" dirty="0" smtClean="0">
-                <a:ln>
-                  <a:noFill/>
-                </a:ln>
-                <a:solidFill>
-                  <a:srgbClr val="000000"/>
-                </a:solidFill>
-                <a:effectLst/>
-                <a:latin typeface="Courier New" panose="02070309020205020404" pitchFamily="49" charset="0"/>
-              </a:rPr>
-              <a:t> 713 rows × 9 columns</a:t>
-            </a:r>
-            <a:br>
-              <a:rPr kumimoji="0" lang="en-US" altLang="en-US" sz="1000" b="0" i="0" u="none" strike="noStrike" cap="none" normalizeH="0" baseline="0" dirty="0" smtClean="0">
-                <a:ln>
-                  <a:noFill/>
-                </a:ln>
-                <a:solidFill>
-                  <a:srgbClr val="000000"/>
-                </a:solidFill>
-                <a:effectLst/>
-                <a:latin typeface="Courier New" panose="02070309020205020404" pitchFamily="49" charset="0"/>
-              </a:rPr>
-            </a:br>
-            <a:r>
-              <a:rPr lang="en-US" altLang="en-US" sz="1000" dirty="0" err="1" smtClean="0">
-                <a:solidFill>
-                  <a:srgbClr val="000000"/>
-                </a:solidFill>
-                <a:latin typeface="Courier New" panose="02070309020205020404" pitchFamily="49" charset="0"/>
-              </a:rPr>
-              <a:t>dfsub</a:t>
-            </a:r>
-            <a:r>
-              <a:rPr lang="en-US" altLang="en-US" sz="1000" dirty="0" smtClean="0">
-                <a:solidFill>
-                  <a:srgbClr val="000000"/>
-                </a:solidFill>
-                <a:latin typeface="Courier New" panose="02070309020205020404" pitchFamily="49" charset="0"/>
-              </a:rPr>
-              <a:t> 851 rows × 9 columns</a:t>
-            </a:r>
-            <a:r>
-              <a:rPr kumimoji="0" lang="en-US" altLang="en-US" sz="1000" b="0" i="0" u="none" strike="noStrike" cap="none" normalizeH="0" baseline="0" dirty="0" smtClean="0">
-                <a:ln>
-                  <a:noFill/>
-                </a:ln>
-                <a:solidFill>
-                  <a:srgbClr val="000000"/>
-                </a:solidFill>
-                <a:effectLst/>
-                <a:latin typeface="Courier New" panose="02070309020205020404" pitchFamily="49" charset="0"/>
-              </a:rPr>
-              <a:t/>
-            </a:r>
-            <a:br>
-              <a:rPr kumimoji="0" lang="en-US" altLang="en-US" sz="1000" b="0" i="0" u="none" strike="noStrike" cap="none" normalizeH="0" baseline="0" dirty="0" smtClean="0">
-                <a:ln>
-                  <a:noFill/>
-                </a:ln>
-                <a:solidFill>
-                  <a:srgbClr val="000000"/>
-                </a:solidFill>
-                <a:effectLst/>
-                <a:latin typeface="Courier New" panose="02070309020205020404" pitchFamily="49" charset="0"/>
-              </a:rPr>
-            </a:br>
-            <a:r>
-              <a:rPr kumimoji="0" lang="en-US" altLang="en-US" sz="1000" b="0" i="0" u="none" strike="noStrike" cap="none" normalizeH="0" baseline="0" dirty="0" smtClean="0">
-                <a:ln>
-                  <a:noFill/>
-                </a:ln>
-                <a:solidFill>
-                  <a:srgbClr val="000000"/>
-                </a:solidFill>
-                <a:effectLst/>
-                <a:latin typeface="Courier New" panose="02070309020205020404" pitchFamily="49" charset="0"/>
-              </a:rPr>
-              <a:t>R</a:t>
-            </a:r>
-            <a:r>
-              <a:rPr kumimoji="0" lang="en-US" altLang="en-US" sz="1000" b="0" i="0" u="none" strike="noStrike" cap="none" normalizeH="0" baseline="0" dirty="0" smtClean="0">
-                <a:ln>
-                  <a:noFill/>
-                </a:ln>
-                <a:solidFill>
-                  <a:srgbClr val="000000"/>
-                </a:solidFill>
-                <a:effectLst/>
-                <a:latin typeface="Courier New" panose="02070309020205020404" pitchFamily="49" charset="0"/>
-                <a:cs typeface="Courier New" panose="02070309020205020404" pitchFamily="49" charset="0"/>
-              </a:rPr>
-              <a:t>F 10-fold cross validation Scores: [0.841 0.885 0.79 0.783 0.821 0.808 0.628 0.667 0.596 0.654] SCORE Mean: 0.75 STD: 0.10 </a:t>
-            </a:r>
-            <a:r>
-              <a:rPr kumimoji="0" lang="en-US" altLang="en-US" sz="1000" b="0" i="0" u="none" strike="noStrike" cap="none" normalizeH="0" baseline="0" dirty="0" smtClean="0">
-                <a:ln>
-                  <a:noFill/>
-                </a:ln>
-                <a:solidFill>
-                  <a:srgbClr val="000000"/>
-                </a:solidFill>
-                <a:effectLst/>
-                <a:latin typeface="Courier New" panose="02070309020205020404" pitchFamily="49" charset="0"/>
-              </a:rPr>
-              <a:t> </a:t>
-            </a:r>
-            <a:br>
-              <a:rPr kumimoji="0" lang="en-US" altLang="en-US" sz="1000" b="0" i="0" u="none" strike="noStrike" cap="none" normalizeH="0" baseline="0" dirty="0" smtClean="0">
-                <a:ln>
-                  <a:noFill/>
-                </a:ln>
-                <a:solidFill>
-                  <a:srgbClr val="000000"/>
-                </a:solidFill>
-                <a:effectLst/>
-                <a:latin typeface="Courier New" panose="02070309020205020404" pitchFamily="49" charset="0"/>
-              </a:rPr>
-            </a:br>
-            <a:endParaRPr kumimoji="0" lang="en-US" altLang="en-US" sz="1800" b="0" i="0" u="none" strike="noStrike" cap="none" normalizeH="0" baseline="0" dirty="0" smtClean="0">
-              <a:ln>
-                <a:noFill/>
-              </a:ln>
-              <a:solidFill>
-                <a:schemeClr val="tx1"/>
-              </a:solidFill>
-              <a:effectLst/>
-              <a:latin typeface="Arial" panose="020B0604020202020204" pitchFamily="34" charset="0"/>
-            </a:endParaRPr>
-          </a:p>
-        </p:txBody>
-      </p:sp>
-      <p:pic>
-        <p:nvPicPr>
-          <p:cNvPr id="10" name="Picture 9"/>
-          <p:cNvPicPr>
-            <a:picLocks noChangeAspect="1"/>
-          </p:cNvPicPr>
-          <p:nvPr/>
-        </p:nvPicPr>
-        <p:blipFill>
-          <a:blip r:embed="rId2">
-            <a:extLst>
-              <a:ext uri="{28A0092B-C50C-407E-A947-70E740481C1C}">
-                <a14:useLocalDpi xmlns:a14="http://schemas.microsoft.com/office/drawing/2010/main" val="0"/>
-              </a:ext>
-            </a:extLst>
-          </a:blip>
-          <a:stretch>
-            <a:fillRect/>
-          </a:stretch>
-        </p:blipFill>
-        <p:spPr>
-          <a:xfrm>
-            <a:off x="444138" y="1474183"/>
-            <a:ext cx="3322584" cy="5383817"/>
-          </a:xfrm>
-          <a:prstGeom prst="rect">
-            <a:avLst/>
-          </a:prstGeom>
-        </p:spPr>
-      </p:pic>
+            <a:r>
+              <a:rPr lang="en-AU" dirty="0" smtClean="0"/>
+              <a:t>ML Results</a:t>
+            </a:r>
+            <a:endParaRPr lang="en-AU" dirty="0"/>
+          </a:p>
+        </p:txBody>
+      </p:sp>
+      <p:graphicFrame>
+        <p:nvGraphicFramePr>
+          <p:cNvPr id="6" name="Table 5"/>
+          <p:cNvGraphicFramePr>
+            <a:graphicFrameLocks noGrp="1"/>
+          </p:cNvGraphicFramePr>
+          <p:nvPr>
+            <p:extLst>
+              <p:ext uri="{D42A27DB-BD31-4B8C-83A1-F6EECF244321}">
+                <p14:modId xmlns:p14="http://schemas.microsoft.com/office/powerpoint/2010/main" val="1408602705"/>
+              </p:ext>
+            </p:extLst>
+          </p:nvPr>
+        </p:nvGraphicFramePr>
+        <p:xfrm>
+          <a:off x="2501900" y="2333625"/>
+          <a:ext cx="4140200" cy="2190750"/>
+        </p:xfrm>
+        <a:graphic>
+          <a:graphicData uri="http://schemas.openxmlformats.org/drawingml/2006/table">
+            <a:tbl>
+              <a:tblPr>
+                <a:tableStyleId>{5C22544A-7EE6-4342-B048-85BDC9FD1C3A}</a:tableStyleId>
+              </a:tblPr>
+              <a:tblGrid>
+                <a:gridCol w="837558">
+                  <a:extLst>
+                    <a:ext uri="{9D8B030D-6E8A-4147-A177-3AD203B41FA5}">
+                      <a16:colId xmlns:a16="http://schemas.microsoft.com/office/drawing/2014/main" val="2189939655"/>
+                    </a:ext>
+                  </a:extLst>
+                </a:gridCol>
+                <a:gridCol w="913699">
+                  <a:extLst>
+                    <a:ext uri="{9D8B030D-6E8A-4147-A177-3AD203B41FA5}">
+                      <a16:colId xmlns:a16="http://schemas.microsoft.com/office/drawing/2014/main" val="334219965"/>
+                    </a:ext>
+                  </a:extLst>
+                </a:gridCol>
+                <a:gridCol w="1675115">
+                  <a:extLst>
+                    <a:ext uri="{9D8B030D-6E8A-4147-A177-3AD203B41FA5}">
+                      <a16:colId xmlns:a16="http://schemas.microsoft.com/office/drawing/2014/main" val="1492559723"/>
+                    </a:ext>
+                  </a:extLst>
+                </a:gridCol>
+                <a:gridCol w="713828">
+                  <a:extLst>
+                    <a:ext uri="{9D8B030D-6E8A-4147-A177-3AD203B41FA5}">
+                      <a16:colId xmlns:a16="http://schemas.microsoft.com/office/drawing/2014/main" val="3576115098"/>
+                    </a:ext>
+                  </a:extLst>
+                </a:gridCol>
+              </a:tblGrid>
+              <a:tr h="717550">
+                <a:tc>
+                  <a:txBody>
+                    <a:bodyPr/>
+                    <a:lstStyle/>
+                    <a:p>
+                      <a:pPr algn="ctr" fontAlgn="ctr"/>
+                      <a:r>
+                        <a:rPr lang="en-AU" sz="1100" u="none" strike="noStrike">
+                          <a:effectLst/>
+                        </a:rPr>
+                        <a:t>Dataset</a:t>
+                      </a:r>
+                      <a:endParaRPr lang="en-AU" sz="1100" b="1" i="0" u="none" strike="noStrike">
+                        <a:solidFill>
+                          <a:srgbClr val="000000"/>
+                        </a:solidFill>
+                        <a:effectLst/>
+                        <a:latin typeface="Calibri" panose="020F0502020204030204" pitchFamily="34" charset="0"/>
+                      </a:endParaRPr>
+                    </a:p>
+                  </a:txBody>
+                  <a:tcPr marL="9525" marR="9525" marT="9525" marB="0" anchor="ctr"/>
+                </a:tc>
+                <a:tc>
+                  <a:txBody>
+                    <a:bodyPr/>
+                    <a:lstStyle/>
+                    <a:p>
+                      <a:pPr algn="ctr" fontAlgn="ctr"/>
+                      <a:r>
+                        <a:rPr lang="en-AU" sz="1100" u="none" strike="noStrike">
+                          <a:effectLst/>
+                        </a:rPr>
+                        <a:t>Highest Cross-Validation Scroe</a:t>
+                      </a:r>
+                      <a:endParaRPr lang="en-AU" sz="1100" b="1" i="0" u="none" strike="noStrike">
+                        <a:solidFill>
+                          <a:srgbClr val="000000"/>
+                        </a:solidFill>
+                        <a:effectLst/>
+                        <a:latin typeface="Calibri" panose="020F0502020204030204" pitchFamily="34" charset="0"/>
+                      </a:endParaRPr>
+                    </a:p>
+                  </a:txBody>
+                  <a:tcPr marL="9525" marR="9525" marT="9525" marB="0" anchor="ctr"/>
+                </a:tc>
+                <a:tc>
+                  <a:txBody>
+                    <a:bodyPr/>
+                    <a:lstStyle/>
+                    <a:p>
+                      <a:pPr algn="ctr" fontAlgn="ctr"/>
+                      <a:r>
+                        <a:rPr lang="en-AU" sz="1100" u="none" strike="noStrike">
+                          <a:effectLst/>
+                        </a:rPr>
+                        <a:t>ML method with highest score</a:t>
+                      </a:r>
+                      <a:endParaRPr lang="en-AU" sz="1100" b="1" i="0" u="none" strike="noStrike">
+                        <a:solidFill>
+                          <a:srgbClr val="000000"/>
+                        </a:solidFill>
+                        <a:effectLst/>
+                        <a:latin typeface="Calibri" panose="020F0502020204030204" pitchFamily="34" charset="0"/>
+                      </a:endParaRPr>
+                    </a:p>
+                  </a:txBody>
+                  <a:tcPr marL="9525" marR="9525" marT="9525" marB="0" anchor="ctr"/>
+                </a:tc>
+                <a:tc>
+                  <a:txBody>
+                    <a:bodyPr/>
+                    <a:lstStyle/>
+                    <a:p>
+                      <a:pPr algn="ctr" fontAlgn="ctr"/>
+                      <a:r>
+                        <a:rPr lang="en-AU" sz="1100" u="none" strike="noStrike">
+                          <a:effectLst/>
+                        </a:rPr>
+                        <a:t>Benchmark Score</a:t>
+                      </a:r>
+                      <a:endParaRPr lang="en-AU" sz="1100" b="1" i="0" u="none" strike="noStrike">
+                        <a:solidFill>
+                          <a:srgbClr val="000000"/>
+                        </a:solidFill>
+                        <a:effectLst/>
+                        <a:latin typeface="Calibri" panose="020F0502020204030204" pitchFamily="34" charset="0"/>
+                      </a:endParaRPr>
+                    </a:p>
+                  </a:txBody>
+                  <a:tcPr marL="9525" marR="9525" marT="9525" marB="0" anchor="ctr"/>
+                </a:tc>
+                <a:extLst>
+                  <a:ext uri="{0D108BD9-81ED-4DB2-BD59-A6C34878D82A}">
+                    <a16:rowId xmlns:a16="http://schemas.microsoft.com/office/drawing/2014/main" val="772086415"/>
+                  </a:ext>
+                </a:extLst>
+              </a:tr>
+              <a:tr h="184150">
+                <a:tc>
+                  <a:txBody>
+                    <a:bodyPr/>
+                    <a:lstStyle/>
+                    <a:p>
+                      <a:pPr algn="l" fontAlgn="b"/>
+                      <a:r>
+                        <a:rPr lang="en-AU" sz="1100" u="none" strike="noStrike">
+                          <a:effectLst/>
+                        </a:rPr>
+                        <a:t>C02</a:t>
+                      </a:r>
+                      <a:endParaRPr lang="en-AU" sz="1100" b="0" i="0" u="none" strike="noStrike">
+                        <a:solidFill>
+                          <a:srgbClr val="000000"/>
+                        </a:solidFill>
+                        <a:effectLst/>
+                        <a:latin typeface="Calibri" panose="020F0502020204030204" pitchFamily="34" charset="0"/>
+                      </a:endParaRPr>
+                    </a:p>
+                  </a:txBody>
+                  <a:tcPr marL="9525" marR="9525" marT="9525" marB="0" anchor="b"/>
+                </a:tc>
+                <a:tc>
+                  <a:txBody>
+                    <a:bodyPr/>
+                    <a:lstStyle/>
+                    <a:p>
+                      <a:pPr algn="r" fontAlgn="b"/>
+                      <a:r>
+                        <a:rPr lang="en-AU" sz="1100" u="none" strike="noStrike">
+                          <a:effectLst/>
+                        </a:rPr>
+                        <a:t>30</a:t>
+                      </a:r>
+                      <a:endParaRPr lang="en-AU" sz="1100" b="0" i="0" u="none" strike="noStrike">
+                        <a:solidFill>
+                          <a:srgbClr val="000000"/>
+                        </a:solidFill>
+                        <a:effectLst/>
+                        <a:latin typeface="Calibri" panose="020F0502020204030204" pitchFamily="34" charset="0"/>
+                      </a:endParaRPr>
+                    </a:p>
+                  </a:txBody>
+                  <a:tcPr marL="9525" marR="9525" marT="9525" marB="0" anchor="b"/>
+                </a:tc>
+                <a:tc>
+                  <a:txBody>
+                    <a:bodyPr/>
+                    <a:lstStyle/>
+                    <a:p>
+                      <a:pPr algn="l" fontAlgn="b"/>
+                      <a:r>
+                        <a:rPr lang="en-AU" sz="1100" u="none" strike="noStrike">
+                          <a:effectLst/>
+                        </a:rPr>
+                        <a:t>Ensemble Kspace KNN</a:t>
+                      </a:r>
+                      <a:endParaRPr lang="en-AU" sz="1100" b="0" i="0" u="none" strike="noStrike">
+                        <a:solidFill>
+                          <a:srgbClr val="000000"/>
+                        </a:solidFill>
+                        <a:effectLst/>
+                        <a:latin typeface="Calibri" panose="020F0502020204030204" pitchFamily="34" charset="0"/>
+                      </a:endParaRPr>
+                    </a:p>
+                  </a:txBody>
+                  <a:tcPr marL="9525" marR="9525" marT="9525" marB="0" anchor="b"/>
+                </a:tc>
+                <a:tc>
+                  <a:txBody>
+                    <a:bodyPr/>
+                    <a:lstStyle/>
+                    <a:p>
+                      <a:pPr algn="r" fontAlgn="b"/>
+                      <a:r>
+                        <a:rPr lang="en-AU" sz="1100" u="none" strike="noStrike">
+                          <a:effectLst/>
+                        </a:rPr>
+                        <a:t>20</a:t>
+                      </a:r>
+                      <a:endParaRPr lang="en-AU" sz="1100" b="0" i="0" u="none" strike="noStrike">
+                        <a:solidFill>
+                          <a:srgbClr val="000000"/>
+                        </a:solidFill>
+                        <a:effectLst/>
+                        <a:latin typeface="Calibri" panose="020F0502020204030204" pitchFamily="34" charset="0"/>
+                      </a:endParaRPr>
+                    </a:p>
+                  </a:txBody>
+                  <a:tcPr marL="9525" marR="9525" marT="9525" marB="0" anchor="b"/>
+                </a:tc>
+                <a:extLst>
+                  <a:ext uri="{0D108BD9-81ED-4DB2-BD59-A6C34878D82A}">
+                    <a16:rowId xmlns:a16="http://schemas.microsoft.com/office/drawing/2014/main" val="1480180346"/>
+                  </a:ext>
+                </a:extLst>
+              </a:tr>
+              <a:tr h="184150">
+                <a:tc>
+                  <a:txBody>
+                    <a:bodyPr/>
+                    <a:lstStyle/>
+                    <a:p>
+                      <a:pPr algn="l" fontAlgn="b"/>
+                      <a:r>
+                        <a:rPr lang="en-AU" sz="1100" u="none" strike="noStrike">
+                          <a:effectLst/>
+                        </a:rPr>
+                        <a:t>Hf</a:t>
+                      </a:r>
+                      <a:endParaRPr lang="en-AU" sz="1100" b="0" i="0" u="none" strike="noStrike">
+                        <a:solidFill>
+                          <a:srgbClr val="000000"/>
+                        </a:solidFill>
+                        <a:effectLst/>
+                        <a:latin typeface="Calibri" panose="020F0502020204030204" pitchFamily="34" charset="0"/>
+                      </a:endParaRPr>
+                    </a:p>
+                  </a:txBody>
+                  <a:tcPr marL="9525" marR="9525" marT="9525" marB="0" anchor="b"/>
+                </a:tc>
+                <a:tc>
+                  <a:txBody>
+                    <a:bodyPr/>
+                    <a:lstStyle/>
+                    <a:p>
+                      <a:pPr algn="r" fontAlgn="b"/>
+                      <a:r>
+                        <a:rPr lang="en-AU" sz="1100" u="none" strike="noStrike">
+                          <a:effectLst/>
+                        </a:rPr>
+                        <a:t>31</a:t>
+                      </a:r>
+                      <a:endParaRPr lang="en-AU" sz="1100" b="0" i="0" u="none" strike="noStrike">
+                        <a:solidFill>
+                          <a:srgbClr val="000000"/>
+                        </a:solidFill>
+                        <a:effectLst/>
+                        <a:latin typeface="Calibri" panose="020F0502020204030204" pitchFamily="34" charset="0"/>
+                      </a:endParaRPr>
+                    </a:p>
+                  </a:txBody>
+                  <a:tcPr marL="9525" marR="9525" marT="9525" marB="0" anchor="b"/>
+                </a:tc>
+                <a:tc>
+                  <a:txBody>
+                    <a:bodyPr/>
+                    <a:lstStyle/>
+                    <a:p>
+                      <a:pPr algn="l" fontAlgn="b"/>
+                      <a:r>
+                        <a:rPr lang="en-AU" sz="1100" u="none" strike="noStrike">
+                          <a:effectLst/>
+                        </a:rPr>
+                        <a:t>Ensemble RUBoostedTrees</a:t>
+                      </a:r>
+                      <a:endParaRPr lang="en-AU" sz="1100" b="0" i="0" u="none" strike="noStrike">
+                        <a:solidFill>
+                          <a:srgbClr val="000000"/>
+                        </a:solidFill>
+                        <a:effectLst/>
+                        <a:latin typeface="Calibri" panose="020F0502020204030204" pitchFamily="34" charset="0"/>
+                      </a:endParaRPr>
+                    </a:p>
+                  </a:txBody>
+                  <a:tcPr marL="9525" marR="9525" marT="9525" marB="0" anchor="b"/>
+                </a:tc>
+                <a:tc>
+                  <a:txBody>
+                    <a:bodyPr/>
+                    <a:lstStyle/>
+                    <a:p>
+                      <a:pPr algn="r" fontAlgn="b"/>
+                      <a:r>
+                        <a:rPr lang="en-AU" sz="1100" u="none" strike="noStrike">
+                          <a:effectLst/>
+                        </a:rPr>
+                        <a:t>20</a:t>
+                      </a:r>
+                      <a:endParaRPr lang="en-AU" sz="1100" b="0" i="0" u="none" strike="noStrike">
+                        <a:solidFill>
+                          <a:srgbClr val="000000"/>
+                        </a:solidFill>
+                        <a:effectLst/>
+                        <a:latin typeface="Calibri" panose="020F0502020204030204" pitchFamily="34" charset="0"/>
+                      </a:endParaRPr>
+                    </a:p>
+                  </a:txBody>
+                  <a:tcPr marL="9525" marR="9525" marT="9525" marB="0" anchor="b"/>
+                </a:tc>
+                <a:extLst>
+                  <a:ext uri="{0D108BD9-81ED-4DB2-BD59-A6C34878D82A}">
+                    <a16:rowId xmlns:a16="http://schemas.microsoft.com/office/drawing/2014/main" val="1688601430"/>
+                  </a:ext>
+                </a:extLst>
+              </a:tr>
+              <a:tr h="184150">
+                <a:tc>
+                  <a:txBody>
+                    <a:bodyPr/>
+                    <a:lstStyle/>
+                    <a:p>
+                      <a:pPr algn="l" fontAlgn="b"/>
+                      <a:r>
+                        <a:rPr lang="en-AU" sz="1100" u="none" strike="noStrike">
+                          <a:effectLst/>
+                        </a:rPr>
+                        <a:t>Nd</a:t>
+                      </a:r>
+                      <a:endParaRPr lang="en-AU" sz="1100" b="0" i="0" u="none" strike="noStrike">
+                        <a:solidFill>
+                          <a:srgbClr val="000000"/>
+                        </a:solidFill>
+                        <a:effectLst/>
+                        <a:latin typeface="Calibri" panose="020F0502020204030204" pitchFamily="34" charset="0"/>
+                      </a:endParaRPr>
+                    </a:p>
+                  </a:txBody>
+                  <a:tcPr marL="9525" marR="9525" marT="9525" marB="0" anchor="b"/>
+                </a:tc>
+                <a:tc>
+                  <a:txBody>
+                    <a:bodyPr/>
+                    <a:lstStyle/>
+                    <a:p>
+                      <a:pPr algn="r" fontAlgn="b"/>
+                      <a:r>
+                        <a:rPr lang="en-AU" sz="1100" u="none" strike="noStrike">
+                          <a:effectLst/>
+                        </a:rPr>
+                        <a:t>39.7</a:t>
+                      </a:r>
+                      <a:endParaRPr lang="en-AU" sz="1100" b="0" i="0" u="none" strike="noStrike">
+                        <a:solidFill>
+                          <a:srgbClr val="000000"/>
+                        </a:solidFill>
+                        <a:effectLst/>
+                        <a:latin typeface="Calibri" panose="020F0502020204030204" pitchFamily="34" charset="0"/>
+                      </a:endParaRPr>
+                    </a:p>
+                  </a:txBody>
+                  <a:tcPr marL="9525" marR="9525" marT="9525" marB="0" anchor="b"/>
+                </a:tc>
+                <a:tc>
+                  <a:txBody>
+                    <a:bodyPr/>
+                    <a:lstStyle/>
+                    <a:p>
+                      <a:pPr algn="l" fontAlgn="b"/>
+                      <a:r>
+                        <a:rPr lang="en-AU" sz="1100" u="none" strike="noStrike">
+                          <a:effectLst/>
+                        </a:rPr>
+                        <a:t>Ensemble Bagged Trees</a:t>
+                      </a:r>
+                      <a:endParaRPr lang="en-AU" sz="1100" b="0" i="0" u="none" strike="noStrike">
+                        <a:solidFill>
+                          <a:srgbClr val="000000"/>
+                        </a:solidFill>
+                        <a:effectLst/>
+                        <a:latin typeface="Calibri" panose="020F0502020204030204" pitchFamily="34" charset="0"/>
+                      </a:endParaRPr>
+                    </a:p>
+                  </a:txBody>
+                  <a:tcPr marL="9525" marR="9525" marT="9525" marB="0" anchor="b"/>
+                </a:tc>
+                <a:tc>
+                  <a:txBody>
+                    <a:bodyPr/>
+                    <a:lstStyle/>
+                    <a:p>
+                      <a:pPr algn="r" fontAlgn="b"/>
+                      <a:r>
+                        <a:rPr lang="en-AU" sz="1100" u="none" strike="noStrike">
+                          <a:effectLst/>
+                        </a:rPr>
+                        <a:t>20</a:t>
+                      </a:r>
+                      <a:endParaRPr lang="en-AU" sz="1100" b="0" i="0" u="none" strike="noStrike">
+                        <a:solidFill>
+                          <a:srgbClr val="000000"/>
+                        </a:solidFill>
+                        <a:effectLst/>
+                        <a:latin typeface="Calibri" panose="020F0502020204030204" pitchFamily="34" charset="0"/>
+                      </a:endParaRPr>
+                    </a:p>
+                  </a:txBody>
+                  <a:tcPr marL="9525" marR="9525" marT="9525" marB="0" anchor="b"/>
+                </a:tc>
+                <a:extLst>
+                  <a:ext uri="{0D108BD9-81ED-4DB2-BD59-A6C34878D82A}">
+                    <a16:rowId xmlns:a16="http://schemas.microsoft.com/office/drawing/2014/main" val="1926626608"/>
+                  </a:ext>
+                </a:extLst>
+              </a:tr>
+              <a:tr h="184150">
+                <a:tc>
+                  <a:txBody>
+                    <a:bodyPr/>
+                    <a:lstStyle/>
+                    <a:p>
+                      <a:pPr algn="l" fontAlgn="b"/>
+                      <a:r>
+                        <a:rPr lang="en-AU" sz="1100" b="1" u="none" strike="noStrike" dirty="0" smtClean="0">
+                          <a:effectLst/>
+                        </a:rPr>
+                        <a:t>Nd143Nd144</a:t>
+                      </a:r>
+                      <a:endParaRPr lang="en-AU" sz="1100" b="1" i="0" u="none" strike="noStrike" dirty="0">
+                        <a:solidFill>
+                          <a:srgbClr val="000000"/>
+                        </a:solidFill>
+                        <a:effectLst/>
+                        <a:latin typeface="Calibri" panose="020F0502020204030204" pitchFamily="34" charset="0"/>
+                      </a:endParaRPr>
+                    </a:p>
+                  </a:txBody>
+                  <a:tcPr marL="9525" marR="9525" marT="9525" marB="0" anchor="b"/>
+                </a:tc>
+                <a:tc>
+                  <a:txBody>
+                    <a:bodyPr/>
+                    <a:lstStyle/>
+                    <a:p>
+                      <a:pPr algn="r" fontAlgn="b"/>
+                      <a:r>
+                        <a:rPr lang="en-AU" sz="1100" b="1" u="none" strike="noStrike">
+                          <a:effectLst/>
+                        </a:rPr>
+                        <a:t>47.4</a:t>
+                      </a:r>
+                      <a:endParaRPr lang="en-AU" sz="1100" b="1" i="0" u="none" strike="noStrike">
+                        <a:solidFill>
+                          <a:srgbClr val="000000"/>
+                        </a:solidFill>
+                        <a:effectLst/>
+                        <a:latin typeface="Calibri" panose="020F0502020204030204" pitchFamily="34" charset="0"/>
+                      </a:endParaRPr>
+                    </a:p>
+                  </a:txBody>
+                  <a:tcPr marL="9525" marR="9525" marT="9525" marB="0" anchor="b"/>
+                </a:tc>
+                <a:tc>
+                  <a:txBody>
+                    <a:bodyPr/>
+                    <a:lstStyle/>
+                    <a:p>
+                      <a:pPr algn="l" fontAlgn="b"/>
+                      <a:r>
+                        <a:rPr lang="en-AU" sz="1100" b="1" u="none" strike="noStrike">
+                          <a:effectLst/>
+                        </a:rPr>
+                        <a:t>Ensemble Bagged Trees</a:t>
+                      </a:r>
+                      <a:endParaRPr lang="en-AU" sz="1100" b="1" i="0" u="none" strike="noStrike">
+                        <a:solidFill>
+                          <a:srgbClr val="000000"/>
+                        </a:solidFill>
+                        <a:effectLst/>
+                        <a:latin typeface="Calibri" panose="020F0502020204030204" pitchFamily="34" charset="0"/>
+                      </a:endParaRPr>
+                    </a:p>
+                  </a:txBody>
+                  <a:tcPr marL="9525" marR="9525" marT="9525" marB="0" anchor="b"/>
+                </a:tc>
+                <a:tc>
+                  <a:txBody>
+                    <a:bodyPr/>
+                    <a:lstStyle/>
+                    <a:p>
+                      <a:pPr algn="r" fontAlgn="b"/>
+                      <a:r>
+                        <a:rPr lang="en-AU" sz="1100" b="1" u="none" strike="noStrike" dirty="0">
+                          <a:effectLst/>
+                        </a:rPr>
+                        <a:t>20</a:t>
+                      </a:r>
+                      <a:endParaRPr lang="en-AU" sz="1100" b="1" i="0" u="none" strike="noStrike" dirty="0">
+                        <a:solidFill>
+                          <a:srgbClr val="000000"/>
+                        </a:solidFill>
+                        <a:effectLst/>
+                        <a:latin typeface="Calibri" panose="020F0502020204030204" pitchFamily="34" charset="0"/>
+                      </a:endParaRPr>
+                    </a:p>
+                  </a:txBody>
+                  <a:tcPr marL="9525" marR="9525" marT="9525" marB="0" anchor="b"/>
+                </a:tc>
+                <a:extLst>
+                  <a:ext uri="{0D108BD9-81ED-4DB2-BD59-A6C34878D82A}">
+                    <a16:rowId xmlns:a16="http://schemas.microsoft.com/office/drawing/2014/main" val="1574144169"/>
+                  </a:ext>
+                </a:extLst>
+              </a:tr>
+              <a:tr h="184150">
+                <a:tc>
+                  <a:txBody>
+                    <a:bodyPr/>
+                    <a:lstStyle/>
+                    <a:p>
+                      <a:pPr algn="l" fontAlgn="b"/>
+                      <a:r>
+                        <a:rPr lang="en-AU" sz="1100" u="none" strike="noStrike">
+                          <a:effectLst/>
+                        </a:rPr>
+                        <a:t>Pb207_Pb204</a:t>
+                      </a:r>
+                      <a:endParaRPr lang="en-AU" sz="1100" b="0" i="0" u="none" strike="noStrike">
+                        <a:solidFill>
+                          <a:srgbClr val="000000"/>
+                        </a:solidFill>
+                        <a:effectLst/>
+                        <a:latin typeface="Calibri" panose="020F0502020204030204" pitchFamily="34" charset="0"/>
+                      </a:endParaRPr>
+                    </a:p>
+                  </a:txBody>
+                  <a:tcPr marL="9525" marR="9525" marT="9525" marB="0" anchor="b"/>
+                </a:tc>
+                <a:tc>
+                  <a:txBody>
+                    <a:bodyPr/>
+                    <a:lstStyle/>
+                    <a:p>
+                      <a:pPr algn="r" fontAlgn="b"/>
+                      <a:r>
+                        <a:rPr lang="en-AU" sz="1100" u="none" strike="noStrike">
+                          <a:effectLst/>
+                        </a:rPr>
+                        <a:t>43.4</a:t>
+                      </a:r>
+                      <a:endParaRPr lang="en-AU" sz="1100" b="0" i="0" u="none" strike="noStrike">
+                        <a:solidFill>
+                          <a:srgbClr val="000000"/>
+                        </a:solidFill>
+                        <a:effectLst/>
+                        <a:latin typeface="Calibri" panose="020F0502020204030204" pitchFamily="34" charset="0"/>
+                      </a:endParaRPr>
+                    </a:p>
+                  </a:txBody>
+                  <a:tcPr marL="9525" marR="9525" marT="9525" marB="0" anchor="b"/>
+                </a:tc>
+                <a:tc>
+                  <a:txBody>
+                    <a:bodyPr/>
+                    <a:lstStyle/>
+                    <a:p>
+                      <a:pPr algn="l" fontAlgn="b"/>
+                      <a:r>
+                        <a:rPr lang="en-AU" sz="1100" u="none" strike="noStrike">
+                          <a:effectLst/>
+                        </a:rPr>
+                        <a:t>Ensemble RUBoosted Trees</a:t>
+                      </a:r>
+                      <a:endParaRPr lang="en-AU" sz="1100" b="0" i="0" u="none" strike="noStrike">
+                        <a:solidFill>
+                          <a:srgbClr val="000000"/>
+                        </a:solidFill>
+                        <a:effectLst/>
+                        <a:latin typeface="Calibri" panose="020F0502020204030204" pitchFamily="34" charset="0"/>
+                      </a:endParaRPr>
+                    </a:p>
+                  </a:txBody>
+                  <a:tcPr marL="9525" marR="9525" marT="9525" marB="0" anchor="b"/>
+                </a:tc>
+                <a:tc>
+                  <a:txBody>
+                    <a:bodyPr/>
+                    <a:lstStyle/>
+                    <a:p>
+                      <a:pPr algn="r" fontAlgn="b"/>
+                      <a:r>
+                        <a:rPr lang="en-AU" sz="1100" u="none" strike="noStrike">
+                          <a:effectLst/>
+                        </a:rPr>
+                        <a:t>20</a:t>
+                      </a:r>
+                      <a:endParaRPr lang="en-AU" sz="1100" b="0" i="0" u="none" strike="noStrike">
+                        <a:solidFill>
+                          <a:srgbClr val="000000"/>
+                        </a:solidFill>
+                        <a:effectLst/>
+                        <a:latin typeface="Calibri" panose="020F0502020204030204" pitchFamily="34" charset="0"/>
+                      </a:endParaRPr>
+                    </a:p>
+                  </a:txBody>
+                  <a:tcPr marL="9525" marR="9525" marT="9525" marB="0" anchor="b"/>
+                </a:tc>
+                <a:extLst>
+                  <a:ext uri="{0D108BD9-81ED-4DB2-BD59-A6C34878D82A}">
+                    <a16:rowId xmlns:a16="http://schemas.microsoft.com/office/drawing/2014/main" val="3566342655"/>
+                  </a:ext>
+                </a:extLst>
+              </a:tr>
+              <a:tr h="184150">
+                <a:tc>
+                  <a:txBody>
+                    <a:bodyPr/>
+                    <a:lstStyle/>
+                    <a:p>
+                      <a:pPr algn="l" fontAlgn="b"/>
+                      <a:r>
+                        <a:rPr lang="en-AU" sz="1100" u="none" strike="noStrike">
+                          <a:effectLst/>
+                        </a:rPr>
+                        <a:t>Hf176_Hf177</a:t>
+                      </a:r>
+                      <a:endParaRPr lang="en-AU" sz="1100" b="0" i="0" u="none" strike="noStrike">
+                        <a:solidFill>
+                          <a:srgbClr val="000000"/>
+                        </a:solidFill>
+                        <a:effectLst/>
+                        <a:latin typeface="Calibri" panose="020F0502020204030204" pitchFamily="34" charset="0"/>
+                      </a:endParaRPr>
+                    </a:p>
+                  </a:txBody>
+                  <a:tcPr marL="9525" marR="9525" marT="9525" marB="0" anchor="b"/>
+                </a:tc>
+                <a:tc>
+                  <a:txBody>
+                    <a:bodyPr/>
+                    <a:lstStyle/>
+                    <a:p>
+                      <a:pPr algn="l" fontAlgn="b"/>
+                      <a:endParaRPr lang="en-AU" sz="1100" b="0" i="0" u="none" strike="noStrike">
+                        <a:solidFill>
+                          <a:srgbClr val="000000"/>
+                        </a:solidFill>
+                        <a:effectLst/>
+                        <a:latin typeface="Calibri" panose="020F0502020204030204" pitchFamily="34" charset="0"/>
+                      </a:endParaRPr>
+                    </a:p>
+                  </a:txBody>
+                  <a:tcPr marL="9525" marR="9525" marT="9525" marB="0" anchor="b"/>
+                </a:tc>
+                <a:tc>
+                  <a:txBody>
+                    <a:bodyPr/>
+                    <a:lstStyle/>
+                    <a:p>
+                      <a:pPr algn="l" fontAlgn="b"/>
+                      <a:r>
+                        <a:rPr lang="en-AU" sz="1100" u="none" strike="noStrike">
+                          <a:effectLst/>
+                        </a:rPr>
+                        <a:t>Not enough data</a:t>
+                      </a:r>
+                      <a:endParaRPr lang="en-AU" sz="1100" b="0" i="1" u="none" strike="noStrike">
+                        <a:solidFill>
+                          <a:srgbClr val="000000"/>
+                        </a:solidFill>
+                        <a:effectLst/>
+                        <a:latin typeface="Calibri" panose="020F0502020204030204" pitchFamily="34" charset="0"/>
+                      </a:endParaRPr>
+                    </a:p>
+                  </a:txBody>
+                  <a:tcPr marL="9525" marR="9525" marT="9525" marB="0" anchor="b"/>
+                </a:tc>
+                <a:tc>
+                  <a:txBody>
+                    <a:bodyPr/>
+                    <a:lstStyle/>
+                    <a:p>
+                      <a:pPr algn="r" fontAlgn="b"/>
+                      <a:r>
+                        <a:rPr lang="en-AU" sz="1100" u="none" strike="noStrike">
+                          <a:effectLst/>
+                        </a:rPr>
+                        <a:t>20</a:t>
+                      </a:r>
+                      <a:endParaRPr lang="en-AU" sz="1100" b="0" i="0" u="none" strike="noStrike">
+                        <a:solidFill>
+                          <a:srgbClr val="000000"/>
+                        </a:solidFill>
+                        <a:effectLst/>
+                        <a:latin typeface="Calibri" panose="020F0502020204030204" pitchFamily="34" charset="0"/>
+                      </a:endParaRPr>
+                    </a:p>
+                  </a:txBody>
+                  <a:tcPr marL="9525" marR="9525" marT="9525" marB="0" anchor="b"/>
+                </a:tc>
+                <a:extLst>
+                  <a:ext uri="{0D108BD9-81ED-4DB2-BD59-A6C34878D82A}">
+                    <a16:rowId xmlns:a16="http://schemas.microsoft.com/office/drawing/2014/main" val="1985231393"/>
+                  </a:ext>
+                </a:extLst>
+              </a:tr>
+              <a:tr h="184150">
+                <a:tc>
+                  <a:txBody>
+                    <a:bodyPr/>
+                    <a:lstStyle/>
+                    <a:p>
+                      <a:pPr algn="l" fontAlgn="b"/>
+                      <a:r>
+                        <a:rPr lang="en-AU" sz="1100" b="1" u="none" strike="noStrike">
+                          <a:effectLst/>
+                        </a:rPr>
+                        <a:t>negloc</a:t>
+                      </a:r>
+                      <a:endParaRPr lang="en-AU" sz="1100" b="1" i="0" u="none" strike="noStrike">
+                        <a:solidFill>
+                          <a:srgbClr val="000000"/>
+                        </a:solidFill>
+                        <a:effectLst/>
+                        <a:latin typeface="Calibri" panose="020F0502020204030204" pitchFamily="34" charset="0"/>
+                      </a:endParaRPr>
+                    </a:p>
+                  </a:txBody>
+                  <a:tcPr marL="9525" marR="9525" marT="9525" marB="0" anchor="b"/>
+                </a:tc>
+                <a:tc>
+                  <a:txBody>
+                    <a:bodyPr/>
+                    <a:lstStyle/>
+                    <a:p>
+                      <a:pPr algn="r" fontAlgn="b"/>
+                      <a:r>
+                        <a:rPr lang="en-AU" sz="1100" b="1" u="none" strike="noStrike">
+                          <a:effectLst/>
+                        </a:rPr>
+                        <a:t>82.2</a:t>
+                      </a:r>
+                      <a:endParaRPr lang="en-AU" sz="1100" b="1" i="0" u="none" strike="noStrike">
+                        <a:solidFill>
+                          <a:srgbClr val="000000"/>
+                        </a:solidFill>
+                        <a:effectLst/>
+                        <a:latin typeface="Calibri" panose="020F0502020204030204" pitchFamily="34" charset="0"/>
+                      </a:endParaRPr>
+                    </a:p>
+                  </a:txBody>
+                  <a:tcPr marL="9525" marR="9525" marT="9525" marB="0" anchor="b"/>
+                </a:tc>
+                <a:tc>
+                  <a:txBody>
+                    <a:bodyPr/>
+                    <a:lstStyle/>
+                    <a:p>
+                      <a:pPr algn="l" fontAlgn="b"/>
+                      <a:r>
+                        <a:rPr lang="en-AU" sz="1100" b="1" u="none" strike="noStrike">
+                          <a:effectLst/>
+                        </a:rPr>
+                        <a:t>Ensemble Bagged Trees</a:t>
+                      </a:r>
+                      <a:endParaRPr lang="en-AU" sz="1100" b="1" i="0" u="none" strike="noStrike">
+                        <a:solidFill>
+                          <a:srgbClr val="000000"/>
+                        </a:solidFill>
+                        <a:effectLst/>
+                        <a:latin typeface="Calibri" panose="020F0502020204030204" pitchFamily="34" charset="0"/>
+                      </a:endParaRPr>
+                    </a:p>
+                  </a:txBody>
+                  <a:tcPr marL="9525" marR="9525" marT="9525" marB="0" anchor="b"/>
+                </a:tc>
+                <a:tc>
+                  <a:txBody>
+                    <a:bodyPr/>
+                    <a:lstStyle/>
+                    <a:p>
+                      <a:pPr algn="r" fontAlgn="b"/>
+                      <a:r>
+                        <a:rPr lang="en-AU" sz="1100" b="1" u="none" strike="noStrike" dirty="0">
+                          <a:effectLst/>
+                        </a:rPr>
+                        <a:t>50</a:t>
+                      </a:r>
+                      <a:endParaRPr lang="en-AU" sz="1100" b="1" i="0" u="none" strike="noStrike" dirty="0">
+                        <a:solidFill>
+                          <a:srgbClr val="000000"/>
+                        </a:solidFill>
+                        <a:effectLst/>
+                        <a:latin typeface="Calibri" panose="020F0502020204030204" pitchFamily="34" charset="0"/>
+                      </a:endParaRPr>
+                    </a:p>
+                  </a:txBody>
+                  <a:tcPr marL="9525" marR="9525" marT="9525" marB="0" anchor="b"/>
+                </a:tc>
+                <a:extLst>
+                  <a:ext uri="{0D108BD9-81ED-4DB2-BD59-A6C34878D82A}">
+                    <a16:rowId xmlns:a16="http://schemas.microsoft.com/office/drawing/2014/main" val="998957541"/>
+                  </a:ext>
+                </a:extLst>
+              </a:tr>
+              <a:tr h="184150">
+                <a:tc>
+                  <a:txBody>
+                    <a:bodyPr/>
+                    <a:lstStyle/>
+                    <a:p>
+                      <a:pPr algn="l" fontAlgn="b"/>
+                      <a:r>
+                        <a:rPr lang="en-AU" sz="1100" u="none" strike="noStrike">
+                          <a:effectLst/>
+                        </a:rPr>
+                        <a:t>negages</a:t>
+                      </a:r>
+                      <a:endParaRPr lang="en-AU" sz="1100" b="0" i="0" u="none" strike="noStrike">
+                        <a:solidFill>
+                          <a:srgbClr val="000000"/>
+                        </a:solidFill>
+                        <a:effectLst/>
+                        <a:latin typeface="Calibri" panose="020F0502020204030204" pitchFamily="34" charset="0"/>
+                      </a:endParaRPr>
+                    </a:p>
+                  </a:txBody>
+                  <a:tcPr marL="9525" marR="9525" marT="9525" marB="0" anchor="b"/>
+                </a:tc>
+                <a:tc>
+                  <a:txBody>
+                    <a:bodyPr/>
+                    <a:lstStyle/>
+                    <a:p>
+                      <a:pPr algn="r" fontAlgn="b"/>
+                      <a:r>
+                        <a:rPr lang="en-AU" sz="1100" u="none" strike="noStrike">
+                          <a:effectLst/>
+                        </a:rPr>
+                        <a:t>81.9</a:t>
+                      </a:r>
+                      <a:endParaRPr lang="en-AU" sz="1100" b="0" i="0" u="none" strike="noStrike">
+                        <a:solidFill>
+                          <a:srgbClr val="000000"/>
+                        </a:solidFill>
+                        <a:effectLst/>
+                        <a:latin typeface="Calibri" panose="020F0502020204030204" pitchFamily="34" charset="0"/>
+                      </a:endParaRPr>
+                    </a:p>
+                  </a:txBody>
+                  <a:tcPr marL="9525" marR="9525" marT="9525" marB="0" anchor="b"/>
+                </a:tc>
+                <a:tc>
+                  <a:txBody>
+                    <a:bodyPr/>
+                    <a:lstStyle/>
+                    <a:p>
+                      <a:pPr algn="l" fontAlgn="b"/>
+                      <a:r>
+                        <a:rPr lang="en-AU" sz="1100" u="none" strike="noStrike">
+                          <a:effectLst/>
+                        </a:rPr>
+                        <a:t>Ensemble Boosted Trees</a:t>
+                      </a:r>
+                      <a:endParaRPr lang="en-AU" sz="1100" b="0" i="0" u="none" strike="noStrike">
+                        <a:solidFill>
+                          <a:srgbClr val="000000"/>
+                        </a:solidFill>
+                        <a:effectLst/>
+                        <a:latin typeface="Calibri" panose="020F0502020204030204" pitchFamily="34" charset="0"/>
+                      </a:endParaRPr>
+                    </a:p>
+                  </a:txBody>
+                  <a:tcPr marL="9525" marR="9525" marT="9525" marB="0" anchor="b"/>
+                </a:tc>
+                <a:tc>
+                  <a:txBody>
+                    <a:bodyPr/>
+                    <a:lstStyle/>
+                    <a:p>
+                      <a:pPr algn="r" fontAlgn="b"/>
+                      <a:r>
+                        <a:rPr lang="en-AU" sz="1100" u="none" strike="noStrike" dirty="0">
+                          <a:effectLst/>
+                        </a:rPr>
+                        <a:t>50</a:t>
+                      </a:r>
+                      <a:endParaRPr lang="en-AU" sz="1100" b="0" i="0" u="none" strike="noStrike" dirty="0">
+                        <a:solidFill>
+                          <a:srgbClr val="000000"/>
+                        </a:solidFill>
+                        <a:effectLst/>
+                        <a:latin typeface="Calibri" panose="020F0502020204030204" pitchFamily="34" charset="0"/>
+                      </a:endParaRPr>
+                    </a:p>
+                  </a:txBody>
+                  <a:tcPr marL="9525" marR="9525" marT="9525" marB="0" anchor="b"/>
+                </a:tc>
+                <a:extLst>
+                  <a:ext uri="{0D108BD9-81ED-4DB2-BD59-A6C34878D82A}">
+                    <a16:rowId xmlns:a16="http://schemas.microsoft.com/office/drawing/2014/main" val="1411884568"/>
+                  </a:ext>
+                </a:extLst>
+              </a:tr>
+            </a:tbl>
+          </a:graphicData>
+        </a:graphic>
+      </p:graphicFrame>
     </p:spTree>
     <p:extLst>
       <p:ext uri="{BB962C8B-B14F-4D97-AF65-F5344CB8AC3E}">
-        <p14:creationId xmlns:p14="http://schemas.microsoft.com/office/powerpoint/2010/main" val="1175084610"/>
+        <p14:creationId xmlns:p14="http://schemas.microsoft.com/office/powerpoint/2010/main" val="1738892963"/>
       </p:ext>
     </p:extLst>
   </p:cSld>
@@ -3273,7 +3981,7 @@
           <p:nvPr/>
         </p:nvPicPr>
         <p:blipFill>
-          <a:blip r:embed="rId2">
+          <a:blip r:embed="rId2" cstate="print">
             <a:extLst>
               <a:ext uri="{28A0092B-C50C-407E-A947-70E740481C1C}">
                 <a14:useLocalDpi xmlns:a14="http://schemas.microsoft.com/office/drawing/2010/main" val="0"/>
@@ -3286,24 +3994,572 @@
         </p:blipFill>
         <p:spPr>
           <a:xfrm>
-            <a:off x="2558049" y="0"/>
-            <a:ext cx="6919148" cy="6858000"/>
+            <a:off x="0" y="9525"/>
+            <a:ext cx="7016806" cy="6894712"/>
           </a:xfrm>
           <a:prstGeom prst="rect">
             <a:avLst/>
           </a:prstGeom>
         </p:spPr>
       </p:pic>
+      <mc:AlternateContent xmlns:mc="http://schemas.openxmlformats.org/markup-compatibility/2006" xmlns:a14="http://schemas.microsoft.com/office/drawing/2010/main">
+        <mc:Choice Requires="a14">
+          <p:sp>
+            <p:nvSpPr>
+              <p:cNvPr id="5" name="TextBox 4"/>
+              <p:cNvSpPr txBox="1"/>
+              <p:nvPr/>
+            </p:nvSpPr>
+            <p:spPr>
+              <a:xfrm>
+                <a:off x="2302018" y="648021"/>
+                <a:ext cx="1433946" cy="997774"/>
+              </a:xfrm>
+              <a:prstGeom prst="rect">
+                <a:avLst/>
+              </a:prstGeom>
+              <a:ln w="6350"/>
+            </p:spPr>
+            <p:style>
+              <a:lnRef idx="2">
+                <a:schemeClr val="dk1"/>
+              </a:lnRef>
+              <a:fillRef idx="1">
+                <a:schemeClr val="lt1"/>
+              </a:fillRef>
+              <a:effectRef idx="0">
+                <a:schemeClr val="dk1"/>
+              </a:effectRef>
+              <a:fontRef idx="minor">
+                <a:schemeClr val="dk1"/>
+              </a:fontRef>
+            </p:style>
+            <p:txBody>
+              <a:bodyPr wrap="square" rtlCol="0">
+                <a:spAutoFit/>
+              </a:bodyPr>
+              <a:lstStyle/>
+              <a:p>
+                <a:r>
+                  <a:rPr lang="en-AU" sz="450" dirty="0"/>
+                  <a:t>Carbon in the crust VS Age of Subducted lithosphere</a:t>
+                </a:r>
+                <a:br>
+                  <a:rPr lang="en-AU" sz="450" dirty="0"/>
+                </a:br>
+                <a14:m>
+                  <m:oMath xmlns:m="http://schemas.openxmlformats.org/officeDocument/2006/math">
+                    <m:r>
+                      <a:rPr lang="en-AU" sz="450" i="1">
+                        <a:latin typeface="Cambria Math" panose="02040503050406030204" pitchFamily="18" charset="0"/>
+                        <a:ea typeface="Cambria Math" panose="02040503050406030204" pitchFamily="18" charset="0"/>
+                      </a:rPr>
+                      <m:t>√</m:t>
+                    </m:r>
+                    <m:r>
+                      <a:rPr lang="en-AU" sz="450" i="1">
+                        <a:latin typeface="Cambria Math" panose="02040503050406030204" pitchFamily="18" charset="0"/>
+                        <a:ea typeface="Cambria Math" panose="02040503050406030204" pitchFamily="18" charset="0"/>
+                      </a:rPr>
+                      <m:t>𝑎𝑔𝑒</m:t>
+                    </m:r>
+                  </m:oMath>
+                </a14:m>
+                <a:r>
+                  <a:rPr lang="en-AU" sz="450" dirty="0"/>
+                  <a:t> relationship between the two variables.</a:t>
+                </a:r>
+              </a:p>
+              <a:p>
+                <a:endParaRPr lang="en-AU" sz="450" dirty="0"/>
+              </a:p>
+              <a:p>
+                <a:r>
+                  <a:rPr lang="en-AU" sz="450" dirty="0"/>
+                  <a:t>Also two obvious clusters of Nd143/Nd144 ratios – </a:t>
+                </a:r>
+                <a:r>
+                  <a:rPr lang="en-AU" sz="450" dirty="0">
+                    <a:solidFill>
+                      <a:srgbClr val="FFC000"/>
+                    </a:solidFill>
+                  </a:rPr>
+                  <a:t>high Nd143/Nd144 ratios (orange dots) are associated with relatively young lithospheric age and low crustal carbon </a:t>
+                </a:r>
+                <a:r>
+                  <a:rPr lang="en-AU" sz="450" dirty="0"/>
+                  <a:t>and </a:t>
+                </a:r>
+                <a:r>
+                  <a:rPr lang="en-AU" sz="450" dirty="0">
+                    <a:solidFill>
+                      <a:srgbClr val="00B050"/>
+                    </a:solidFill>
+                  </a:rPr>
+                  <a:t>medium Nd143/144 ratios (green dots) and high crustal carbon and older lithospheric age.</a:t>
+                </a:r>
+              </a:p>
+              <a:p>
+                <a:r>
+                  <a:rPr lang="en-AU" sz="450" dirty="0">
+                    <a:solidFill>
+                      <a:schemeClr val="tx1"/>
+                    </a:solidFill>
+                  </a:rPr>
+                  <a:t>You can see these two peaks in the standing out in the </a:t>
+                </a:r>
+                <a:r>
+                  <a:rPr lang="en-AU" sz="450" dirty="0" err="1">
+                    <a:solidFill>
+                      <a:schemeClr val="tx1"/>
+                    </a:solidFill>
+                  </a:rPr>
+                  <a:t>gridage</a:t>
+                </a:r>
+                <a:r>
+                  <a:rPr lang="en-AU" sz="450" dirty="0">
+                    <a:solidFill>
+                      <a:schemeClr val="tx1"/>
+                    </a:solidFill>
+                  </a:rPr>
+                  <a:t> and </a:t>
+                </a:r>
+                <a:r>
+                  <a:rPr lang="en-AU" sz="450" dirty="0" err="1">
+                    <a:solidFill>
+                      <a:schemeClr val="tx1"/>
+                    </a:solidFill>
+                  </a:rPr>
+                  <a:t>gridcrust</a:t>
+                </a:r>
+                <a:r>
+                  <a:rPr lang="en-AU" sz="450" dirty="0">
+                    <a:solidFill>
+                      <a:schemeClr val="tx1"/>
+                    </a:solidFill>
+                  </a:rPr>
+                  <a:t> histogram too.</a:t>
+                </a:r>
+              </a:p>
+              <a:p>
+                <a:r>
+                  <a:rPr lang="en-AU" sz="450" dirty="0">
+                    <a:solidFill>
+                      <a:schemeClr val="tx1"/>
+                    </a:solidFill>
+                  </a:rPr>
+                  <a:t>You could probably break these down into more intelligent groups (instead of the 5 bins used here).</a:t>
+                </a:r>
+              </a:p>
+            </p:txBody>
+          </p:sp>
+        </mc:Choice>
+        <mc:Fallback xmlns="">
+          <p:sp>
+            <p:nvSpPr>
+              <p:cNvPr id="5" name="TextBox 4"/>
+              <p:cNvSpPr txBox="1">
+                <a:spLocks noRot="1" noChangeAspect="1" noMove="1" noResize="1" noEditPoints="1" noAdjustHandles="1" noChangeArrowheads="1" noChangeShapeType="1" noTextEdit="1"/>
+              </p:cNvSpPr>
+              <p:nvPr/>
+            </p:nvSpPr>
+            <p:spPr>
+              <a:xfrm>
+                <a:off x="2302018" y="648021"/>
+                <a:ext cx="1433946" cy="997774"/>
+              </a:xfrm>
+              <a:prstGeom prst="rect">
+                <a:avLst/>
+              </a:prstGeom>
+              <a:blipFill>
+                <a:blip r:embed="rId3"/>
+                <a:stretch>
+                  <a:fillRect/>
+                </a:stretch>
+              </a:blipFill>
+              <a:ln w="6350"/>
+            </p:spPr>
+            <p:txBody>
+              <a:bodyPr/>
+              <a:lstStyle/>
+              <a:p>
+                <a:r>
+                  <a:rPr lang="en-AU">
+                    <a:noFill/>
+                  </a:rPr>
+                  <a:t> </a:t>
+                </a:r>
+              </a:p>
+            </p:txBody>
+          </p:sp>
+        </mc:Fallback>
+      </mc:AlternateContent>
+      <p:sp>
+        <p:nvSpPr>
+          <p:cNvPr id="6" name="Oval 5"/>
+          <p:cNvSpPr/>
+          <p:nvPr/>
+        </p:nvSpPr>
+        <p:spPr>
+          <a:xfrm>
+            <a:off x="667444" y="913188"/>
+            <a:ext cx="339782" cy="342900"/>
+          </a:xfrm>
+          <a:prstGeom prst="ellipse">
+            <a:avLst/>
+          </a:prstGeom>
+          <a:noFill/>
+          <a:ln w="3175"/>
+        </p:spPr>
+        <p:style>
+          <a:lnRef idx="2">
+            <a:schemeClr val="dk1"/>
+          </a:lnRef>
+          <a:fillRef idx="1">
+            <a:schemeClr val="lt1"/>
+          </a:fillRef>
+          <a:effectRef idx="0">
+            <a:schemeClr val="dk1"/>
+          </a:effectRef>
+          <a:fontRef idx="minor">
+            <a:schemeClr val="dk1"/>
+          </a:fontRef>
+        </p:style>
+        <p:txBody>
+          <a:bodyPr rot="0" spcFirstLastPara="0" vertOverflow="overflow" horzOverflow="overflow" vert="horz" wrap="square" lIns="68580" tIns="34290" rIns="68580" bIns="34290" numCol="1" spcCol="0" rtlCol="0" fromWordArt="0" anchor="ctr" anchorCtr="0" forceAA="0" compatLnSpc="1">
+            <a:prstTxWarp prst="textNoShape">
+              <a:avLst/>
+            </a:prstTxWarp>
+            <a:noAutofit/>
+          </a:bodyPr>
+          <a:lstStyle/>
+          <a:p>
+            <a:pPr algn="ctr"/>
+            <a:endParaRPr lang="en-AU" sz="1350"/>
+          </a:p>
+        </p:txBody>
+      </p:sp>
+      <p:cxnSp>
+        <p:nvCxnSpPr>
+          <p:cNvPr id="8" name="Straight Connector 7"/>
+          <p:cNvCxnSpPr/>
+          <p:nvPr/>
+        </p:nvCxnSpPr>
+        <p:spPr>
+          <a:xfrm flipV="1">
+            <a:off x="1003661" y="751481"/>
+            <a:ext cx="1298357" cy="345269"/>
+          </a:xfrm>
+          <a:prstGeom prst="line">
+            <a:avLst/>
+          </a:prstGeom>
+          <a:ln w="3175"/>
+        </p:spPr>
+        <p:style>
+          <a:lnRef idx="1">
+            <a:schemeClr val="dk1"/>
+          </a:lnRef>
+          <a:fillRef idx="0">
+            <a:schemeClr val="dk1"/>
+          </a:fillRef>
+          <a:effectRef idx="0">
+            <a:schemeClr val="dk1"/>
+          </a:effectRef>
+          <a:fontRef idx="minor">
+            <a:schemeClr val="tx1"/>
+          </a:fontRef>
+        </p:style>
+      </p:cxnSp>
+      <p:sp>
+        <p:nvSpPr>
+          <p:cNvPr id="9" name="TextBox 8"/>
+          <p:cNvSpPr txBox="1"/>
+          <p:nvPr/>
+        </p:nvSpPr>
+        <p:spPr>
+          <a:xfrm>
+            <a:off x="1373464" y="23165"/>
+            <a:ext cx="1293536" cy="438582"/>
+          </a:xfrm>
+          <a:prstGeom prst="rect">
+            <a:avLst/>
+          </a:prstGeom>
+          <a:ln w="6350"/>
+        </p:spPr>
+        <p:style>
+          <a:lnRef idx="2">
+            <a:schemeClr val="dk1"/>
+          </a:lnRef>
+          <a:fillRef idx="1">
+            <a:schemeClr val="lt1"/>
+          </a:fillRef>
+          <a:effectRef idx="0">
+            <a:schemeClr val="dk1"/>
+          </a:effectRef>
+          <a:fontRef idx="minor">
+            <a:schemeClr val="dk1"/>
+          </a:fontRef>
+        </p:style>
+        <p:txBody>
+          <a:bodyPr wrap="square" rtlCol="0">
+            <a:spAutoFit/>
+          </a:bodyPr>
+          <a:lstStyle/>
+          <a:p>
+            <a:r>
+              <a:rPr lang="en-AU" sz="450" dirty="0">
+                <a:solidFill>
+                  <a:schemeClr val="tx1"/>
+                </a:solidFill>
+              </a:rPr>
+              <a:t>Histogram of Nd143/Nd144 (and all the plots of Nd143/Nd1444 vs X) show 80% of samples have a ratio above 0.5128. But there is a long tail of ratios below 0.5128. The 5 bins (5 colour groups) are chosen by panda’s </a:t>
+            </a:r>
+            <a:r>
+              <a:rPr lang="en-AU" sz="450" i="1" dirty="0" err="1">
+                <a:solidFill>
+                  <a:schemeClr val="tx1"/>
+                </a:solidFill>
+              </a:rPr>
+              <a:t>qcut</a:t>
+            </a:r>
+            <a:r>
+              <a:rPr lang="en-AU" sz="450" dirty="0">
+                <a:solidFill>
+                  <a:schemeClr val="tx1"/>
+                </a:solidFill>
+              </a:rPr>
+              <a:t>. </a:t>
+            </a:r>
+          </a:p>
+        </p:txBody>
+      </p:sp>
+      <p:sp>
+        <p:nvSpPr>
+          <p:cNvPr id="10" name="Oval 9"/>
+          <p:cNvSpPr/>
+          <p:nvPr/>
+        </p:nvSpPr>
+        <p:spPr>
+          <a:xfrm>
+            <a:off x="294077" y="157907"/>
+            <a:ext cx="339782" cy="342900"/>
+          </a:xfrm>
+          <a:prstGeom prst="ellipse">
+            <a:avLst/>
+          </a:prstGeom>
+          <a:noFill/>
+          <a:ln w="3175"/>
+        </p:spPr>
+        <p:style>
+          <a:lnRef idx="2">
+            <a:schemeClr val="dk1"/>
+          </a:lnRef>
+          <a:fillRef idx="1">
+            <a:schemeClr val="lt1"/>
+          </a:fillRef>
+          <a:effectRef idx="0">
+            <a:schemeClr val="dk1"/>
+          </a:effectRef>
+          <a:fontRef idx="minor">
+            <a:schemeClr val="dk1"/>
+          </a:fontRef>
+        </p:style>
+        <p:txBody>
+          <a:bodyPr rot="0" spcFirstLastPara="0" vertOverflow="overflow" horzOverflow="overflow" vert="horz" wrap="square" lIns="68580" tIns="34290" rIns="68580" bIns="34290" numCol="1" spcCol="0" rtlCol="0" fromWordArt="0" anchor="ctr" anchorCtr="0" forceAA="0" compatLnSpc="1">
+            <a:prstTxWarp prst="textNoShape">
+              <a:avLst/>
+            </a:prstTxWarp>
+            <a:noAutofit/>
+          </a:bodyPr>
+          <a:lstStyle/>
+          <a:p>
+            <a:pPr algn="ctr"/>
+            <a:endParaRPr lang="en-AU" sz="1350"/>
+          </a:p>
+        </p:txBody>
+      </p:sp>
+      <p:cxnSp>
+        <p:nvCxnSpPr>
+          <p:cNvPr id="11" name="Straight Connector 10"/>
+          <p:cNvCxnSpPr>
+            <a:stCxn id="10" idx="6"/>
+            <a:endCxn id="9" idx="1"/>
+          </p:cNvCxnSpPr>
+          <p:nvPr/>
+        </p:nvCxnSpPr>
+        <p:spPr>
+          <a:xfrm flipV="1">
+            <a:off x="633859" y="242456"/>
+            <a:ext cx="739605" cy="86901"/>
+          </a:xfrm>
+          <a:prstGeom prst="line">
+            <a:avLst/>
+          </a:prstGeom>
+          <a:ln w="3175"/>
+        </p:spPr>
+        <p:style>
+          <a:lnRef idx="1">
+            <a:schemeClr val="dk1"/>
+          </a:lnRef>
+          <a:fillRef idx="0">
+            <a:schemeClr val="dk1"/>
+          </a:fillRef>
+          <a:effectRef idx="0">
+            <a:schemeClr val="dk1"/>
+          </a:effectRef>
+          <a:fontRef idx="minor">
+            <a:schemeClr val="tx1"/>
+          </a:fontRef>
+        </p:style>
+      </p:cxnSp>
+      <p:cxnSp>
+        <p:nvCxnSpPr>
+          <p:cNvPr id="16" name="Straight Connector 15"/>
+          <p:cNvCxnSpPr/>
+          <p:nvPr/>
+        </p:nvCxnSpPr>
+        <p:spPr>
+          <a:xfrm>
+            <a:off x="1003661" y="751481"/>
+            <a:ext cx="1361658" cy="656179"/>
+          </a:xfrm>
+          <a:prstGeom prst="line">
+            <a:avLst/>
+          </a:prstGeom>
+          <a:ln w="3175">
+            <a:headEnd type="arrow"/>
+          </a:ln>
+        </p:spPr>
+        <p:style>
+          <a:lnRef idx="1">
+            <a:schemeClr val="dk1"/>
+          </a:lnRef>
+          <a:fillRef idx="0">
+            <a:schemeClr val="dk1"/>
+          </a:fillRef>
+          <a:effectRef idx="0">
+            <a:schemeClr val="dk1"/>
+          </a:effectRef>
+          <a:fontRef idx="minor">
+            <a:schemeClr val="tx1"/>
+          </a:fontRef>
+        </p:style>
+      </p:cxnSp>
+      <p:cxnSp>
+        <p:nvCxnSpPr>
+          <p:cNvPr id="19" name="Straight Connector 18"/>
+          <p:cNvCxnSpPr/>
+          <p:nvPr/>
+        </p:nvCxnSpPr>
+        <p:spPr>
+          <a:xfrm>
+            <a:off x="1373464" y="1146908"/>
+            <a:ext cx="991855" cy="264833"/>
+          </a:xfrm>
+          <a:prstGeom prst="line">
+            <a:avLst/>
+          </a:prstGeom>
+          <a:ln w="3175">
+            <a:headEnd type="arrow"/>
+            <a:tailEnd type="none"/>
+          </a:ln>
+        </p:spPr>
+        <p:style>
+          <a:lnRef idx="1">
+            <a:schemeClr val="dk1"/>
+          </a:lnRef>
+          <a:fillRef idx="0">
+            <a:schemeClr val="dk1"/>
+          </a:fillRef>
+          <a:effectRef idx="0">
+            <a:schemeClr val="dk1"/>
+          </a:effectRef>
+          <a:fontRef idx="minor">
+            <a:schemeClr val="tx1"/>
+          </a:fontRef>
+        </p:style>
+      </p:cxnSp>
+      <p:sp>
+        <p:nvSpPr>
+          <p:cNvPr id="36" name="Title 1"/>
+          <p:cNvSpPr txBox="1">
+            <a:spLocks/>
+          </p:cNvSpPr>
+          <p:nvPr/>
+        </p:nvSpPr>
+        <p:spPr>
+          <a:xfrm>
+            <a:off x="4501392" y="497929"/>
+            <a:ext cx="4370070" cy="1054963"/>
+          </a:xfrm>
+          <a:prstGeom prst="rect">
+            <a:avLst/>
+          </a:prstGeom>
+        </p:spPr>
+        <p:txBody>
+          <a:bodyPr vert="horz" lIns="91440" tIns="45720" rIns="91440" bIns="45720" rtlCol="0" anchor="ctr">
+            <a:noAutofit/>
+          </a:bodyPr>
+          <a:lstStyle>
+            <a:lvl1pPr algn="l" defTabSz="914400" rtl="0" eaLnBrk="1" latinLnBrk="0" hangingPunct="1">
+              <a:lnSpc>
+                <a:spcPct val="90000"/>
+              </a:lnSpc>
+              <a:spcBef>
+                <a:spcPct val="0"/>
+              </a:spcBef>
+              <a:buNone/>
+              <a:defRPr sz="4400" kern="1200">
+                <a:solidFill>
+                  <a:schemeClr val="tx1"/>
+                </a:solidFill>
+                <a:latin typeface="+mj-lt"/>
+                <a:ea typeface="+mj-ea"/>
+                <a:cs typeface="+mj-cs"/>
+              </a:defRPr>
+            </a:lvl1pPr>
+          </a:lstStyle>
+          <a:p>
+            <a:r>
+              <a:rPr lang="en-AU" sz="2400" dirty="0" smtClean="0"/>
+              <a:t>Nd143/Nd144 </a:t>
+            </a:r>
+            <a:br>
+              <a:rPr lang="en-AU" sz="2400" dirty="0" smtClean="0"/>
+            </a:br>
+            <a:r>
+              <a:rPr lang="en-AU" sz="2400" dirty="0" smtClean="0"/>
+              <a:t>variables </a:t>
+            </a:r>
+            <a:r>
+              <a:rPr lang="en-AU" sz="2400" dirty="0" err="1" smtClean="0"/>
+              <a:t>pairplot</a:t>
+            </a:r>
+            <a:r>
+              <a:rPr lang="en-AU" sz="2400" dirty="0" smtClean="0"/>
+              <a:t> and histogram </a:t>
+            </a:r>
+            <a:endParaRPr lang="en-AU" sz="2400" dirty="0"/>
+          </a:p>
+        </p:txBody>
+      </p:sp>
     </p:spTree>
     <p:extLst>
       <p:ext uri="{BB962C8B-B14F-4D97-AF65-F5344CB8AC3E}">
-        <p14:creationId xmlns:p14="http://schemas.microsoft.com/office/powerpoint/2010/main" val="2951900915"/>
+        <p14:creationId xmlns:p14="http://schemas.microsoft.com/office/powerpoint/2010/main" val="849874552"/>
       </p:ext>
     </p:extLst>
   </p:cSld>
   <p:clrMapOvr>
     <a:masterClrMapping/>
   </p:clrMapOvr>
+  <p:timing>
+    <p:tnLst>
+      <p:par>
+        <p:cTn id="1" dur="indefinite" restart="never" nodeType="tmRoot"/>
+      </p:par>
+    </p:tnLst>
+  </p:timing>
 </p:sld>
 </file>
 
@@ -3326,233 +4582,51 @@
       </p:grpSpPr>
       <p:sp>
         <p:nvSpPr>
-          <p:cNvPr id="7" name="Rectangle 5"/>
-          <p:cNvSpPr>
-            <a:spLocks noGrp="1" noChangeArrowheads="1"/>
+          <p:cNvPr id="2" name="Title 1"/>
+          <p:cNvSpPr>
+            <a:spLocks noGrp="1"/>
           </p:cNvSpPr>
           <p:nvPr>
             <p:ph type="title"/>
           </p:nvPr>
         </p:nvSpPr>
-        <p:spPr bwMode="auto">
+        <p:spPr>
           <a:xfrm>
-            <a:off x="838200" y="504687"/>
-            <a:ext cx="9618018" cy="1046440"/>
+            <a:off x="4127862" y="1856639"/>
+            <a:ext cx="4370070" cy="1054963"/>
           </a:xfrm>
-          <a:prstGeom prst="rect">
-            <a:avLst/>
-          </a:prstGeom>
-          <a:solidFill>
-            <a:srgbClr val="FFFFFF"/>
-          </a:solidFill>
-          <a:ln>
-            <a:noFill/>
-          </a:ln>
-          <a:effectLst/>
-          <a:extLst>
-            <a:ext uri="{91240B29-F687-4F45-9708-019B960494DF}">
-              <a14:hiddenLine xmlns:a14="http://schemas.microsoft.com/office/drawing/2010/main" w="9525">
-                <a:solidFill>
-                  <a:schemeClr val="tx1"/>
-                </a:solidFill>
-                <a:miter lim="800000"/>
-                <a:headEnd/>
-                <a:tailEnd/>
-              </a14:hiddenLine>
-            </a:ext>
-            <a:ext uri="{AF507438-7753-43E0-B8FC-AC1667EBCBE1}">
-              <a14:hiddenEffects xmlns:a14="http://schemas.microsoft.com/office/drawing/2010/main">
-                <a:effectLst>
-                  <a:outerShdw dist="35921" dir="2700000" algn="ctr" rotWithShape="0">
-                    <a:schemeClr val="bg2"/>
-                  </a:outerShdw>
-                </a:effectLst>
-              </a14:hiddenEffects>
-            </a:ext>
-          </a:extLst>
         </p:spPr>
         <p:txBody>
-          <a:bodyPr vert="horz" wrap="none" lIns="0" tIns="0" rIns="0" bIns="0" numCol="1" anchor="ctr" anchorCtr="0" compatLnSpc="1">
-            <a:prstTxWarp prst="textNoShape">
-              <a:avLst/>
-            </a:prstTxWarp>
-            <a:spAutoFit/>
+          <a:bodyPr>
+            <a:noAutofit/>
           </a:bodyPr>
           <a:lstStyle/>
           <a:p>
-            <a:pPr eaLnBrk="0" fontAlgn="base" hangingPunct="0">
-              <a:lnSpc>
-                <a:spcPct val="100000"/>
-              </a:lnSpc>
-              <a:spcAft>
-                <a:spcPct val="0"/>
-              </a:spcAft>
-            </a:pPr>
-            <a:r>
-              <a:rPr kumimoji="0" lang="en-US" altLang="en-US" sz="1000" b="0" i="0" u="none" strike="noStrike" cap="none" normalizeH="0" baseline="0" dirty="0" smtClean="0">
-                <a:ln>
-                  <a:noFill/>
-                </a:ln>
-                <a:solidFill>
-                  <a:srgbClr val="000000"/>
-                </a:solidFill>
-                <a:effectLst/>
-                <a:latin typeface="Courier New" panose="02070309020205020404" pitchFamily="49" charset="0"/>
-              </a:rPr>
-              <a:t>LOCATIONS2</a:t>
-            </a:r>
-            <a:br>
-              <a:rPr kumimoji="0" lang="en-US" altLang="en-US" sz="1000" b="0" i="0" u="none" strike="noStrike" cap="none" normalizeH="0" baseline="0" dirty="0" smtClean="0">
-                <a:ln>
-                  <a:noFill/>
-                </a:ln>
-                <a:solidFill>
-                  <a:srgbClr val="000000"/>
-                </a:solidFill>
-                <a:effectLst/>
-                <a:latin typeface="Courier New" panose="02070309020205020404" pitchFamily="49" charset="0"/>
-              </a:rPr>
-            </a:br>
-            <a:r>
-              <a:rPr kumimoji="0" lang="en-US" altLang="en-US" sz="1000" b="0" i="0" u="none" strike="noStrike" cap="none" normalizeH="0" baseline="0" dirty="0" err="1" smtClean="0">
-                <a:ln>
-                  <a:noFill/>
-                </a:ln>
-                <a:solidFill>
-                  <a:srgbClr val="000000"/>
-                </a:solidFill>
-                <a:effectLst/>
-                <a:latin typeface="Courier New" panose="02070309020205020404" pitchFamily="49" charset="0"/>
-              </a:rPr>
-              <a:t>dfnegsub</a:t>
-            </a:r>
-            <a:r>
-              <a:rPr kumimoji="0" lang="en-US" altLang="en-US" sz="1000" b="0" i="0" u="none" strike="noStrike" cap="none" normalizeH="0" baseline="0" dirty="0" smtClean="0">
-                <a:ln>
-                  <a:noFill/>
-                </a:ln>
-                <a:solidFill>
-                  <a:srgbClr val="000000"/>
-                </a:solidFill>
-                <a:effectLst/>
-                <a:latin typeface="Courier New" panose="02070309020205020404" pitchFamily="49" charset="0"/>
-              </a:rPr>
-              <a:t> 717 rows × 9 columns</a:t>
-            </a:r>
-            <a:br>
-              <a:rPr kumimoji="0" lang="en-US" altLang="en-US" sz="1000" b="0" i="0" u="none" strike="noStrike" cap="none" normalizeH="0" baseline="0" dirty="0" smtClean="0">
-                <a:ln>
-                  <a:noFill/>
-                </a:ln>
-                <a:solidFill>
-                  <a:srgbClr val="000000"/>
-                </a:solidFill>
-                <a:effectLst/>
-                <a:latin typeface="Courier New" panose="02070309020205020404" pitchFamily="49" charset="0"/>
-              </a:rPr>
-            </a:br>
-            <a:r>
-              <a:rPr lang="en-US" altLang="en-US" sz="1000" dirty="0" err="1" smtClean="0">
-                <a:solidFill>
-                  <a:srgbClr val="000000"/>
-                </a:solidFill>
-                <a:latin typeface="Courier New" panose="02070309020205020404" pitchFamily="49" charset="0"/>
-              </a:rPr>
-              <a:t>dfsub</a:t>
-            </a:r>
-            <a:r>
-              <a:rPr lang="en-US" altLang="en-US" sz="1000" dirty="0" smtClean="0">
-                <a:solidFill>
-                  <a:srgbClr val="000000"/>
-                </a:solidFill>
-                <a:latin typeface="Courier New" panose="02070309020205020404" pitchFamily="49" charset="0"/>
-              </a:rPr>
-              <a:t> 851 rows × 9 columns</a:t>
-            </a:r>
-            <a:br>
-              <a:rPr lang="en-US" altLang="en-US" sz="1000" dirty="0" smtClean="0">
-                <a:solidFill>
-                  <a:srgbClr val="000000"/>
-                </a:solidFill>
-                <a:latin typeface="Courier New" panose="02070309020205020404" pitchFamily="49" charset="0"/>
-              </a:rPr>
-            </a:br>
-            <a:r>
-              <a:rPr kumimoji="0" lang="en-US" altLang="en-US" sz="1000" b="0" i="0" u="none" strike="noStrike" cap="none" normalizeH="0" baseline="0" dirty="0" smtClean="0">
-                <a:ln>
-                  <a:noFill/>
-                </a:ln>
-                <a:solidFill>
-                  <a:srgbClr val="000000"/>
-                </a:solidFill>
-                <a:effectLst/>
-                <a:latin typeface="Courier New" panose="02070309020205020404" pitchFamily="49" charset="0"/>
-                <a:cs typeface="Courier New" panose="02070309020205020404" pitchFamily="49" charset="0"/>
-              </a:rPr>
-              <a:t>RF 10-fold cross validation Scores: [0.847 0.873 0.803 0.777 0.841 0.834 0.669 0.682 0.635 0.705] SCORE Mean: 0.77 STD: 0.08 </a:t>
-            </a:r>
-            <a:r>
-              <a:rPr kumimoji="0" lang="en-US" altLang="en-US" sz="1800" b="0" i="0" u="none" strike="noStrike" cap="none" normalizeH="0" baseline="0" dirty="0" smtClean="0">
-                <a:ln>
-                  <a:noFill/>
-                </a:ln>
-                <a:solidFill>
-                  <a:schemeClr val="tx1"/>
-                </a:solidFill>
-                <a:effectLst/>
-                <a:latin typeface="Arial" panose="020B0604020202020204" pitchFamily="34" charset="0"/>
-              </a:rPr>
-              <a:t/>
-            </a:r>
-            <a:br>
-              <a:rPr kumimoji="0" lang="en-US" altLang="en-US" sz="1800" b="0" i="0" u="none" strike="noStrike" cap="none" normalizeH="0" baseline="0" dirty="0" smtClean="0">
-                <a:ln>
-                  <a:noFill/>
-                </a:ln>
-                <a:solidFill>
-                  <a:schemeClr val="tx1"/>
-                </a:solidFill>
-                <a:effectLst/>
-                <a:latin typeface="Arial" panose="020B0604020202020204" pitchFamily="34" charset="0"/>
-              </a:rPr>
-            </a:br>
-            <a:r>
-              <a:rPr lang="en-US" altLang="en-US" sz="1000" dirty="0" smtClean="0">
-                <a:solidFill>
-                  <a:srgbClr val="000000"/>
-                </a:solidFill>
-                <a:latin typeface="Courier New" panose="02070309020205020404" pitchFamily="49" charset="0"/>
-              </a:rPr>
-              <a:t/>
-            </a:r>
-            <a:br>
-              <a:rPr lang="en-US" altLang="en-US" sz="1000" dirty="0" smtClean="0">
-                <a:solidFill>
-                  <a:srgbClr val="000000"/>
-                </a:solidFill>
-                <a:latin typeface="Courier New" panose="02070309020205020404" pitchFamily="49" charset="0"/>
-              </a:rPr>
-            </a:br>
-            <a:endParaRPr kumimoji="0" lang="en-US" altLang="en-US" sz="1800" b="0" i="0" u="none" strike="noStrike" cap="none" normalizeH="0" baseline="0" dirty="0" smtClean="0">
-              <a:ln>
-                <a:noFill/>
-              </a:ln>
-              <a:solidFill>
-                <a:schemeClr val="tx1"/>
-              </a:solidFill>
-              <a:effectLst/>
-              <a:latin typeface="Arial" panose="020B0604020202020204" pitchFamily="34" charset="0"/>
-            </a:endParaRPr>
+            <a:r>
+              <a:rPr lang="en-AU" sz="1000" dirty="0" smtClean="0"/>
+              <a:t>Any feature significantly above the “random” benchmark, in terms of feature importance, I would interpret as aiding classification of each point into their Nd143/Nd144 cluster. Anything below that is likely garbage (for whatever reason, bad data, too many nans, genuinely no physical relationship, </a:t>
+            </a:r>
+            <a:r>
+              <a:rPr lang="en-AU" sz="1000" dirty="0" err="1" smtClean="0"/>
+              <a:t>etc</a:t>
+            </a:r>
+            <a:r>
+              <a:rPr lang="en-AU" sz="1000" dirty="0" smtClean="0"/>
+              <a:t>).</a:t>
+            </a:r>
+            <a:endParaRPr lang="en-AU" sz="1000" dirty="0"/>
           </a:p>
         </p:txBody>
       </p:sp>
       <p:pic>
         <p:nvPicPr>
-          <p:cNvPr id="2" name="Picture 1"/>
+          <p:cNvPr id="4" name="Content Placeholder 3"/>
           <p:cNvPicPr>
-            <a:picLocks noChangeAspect="1"/>
+            <a:picLocks noGrp="1" noChangeAspect="1"/>
           </p:cNvPicPr>
-          <p:nvPr/>
+          <p:nvPr>
+            <p:ph idx="1"/>
+          </p:nvPr>
         </p:nvPicPr>
         <p:blipFill>
           <a:blip r:embed="rId2">
@@ -3568,18 +4642,239 @@
         </p:blipFill>
         <p:spPr>
           <a:xfrm>
-            <a:off x="4009209" y="2107474"/>
-            <a:ext cx="2891034" cy="4750526"/>
+            <a:off x="165462" y="449670"/>
+            <a:ext cx="3884023" cy="6293559"/>
+          </a:xfrm>
+        </p:spPr>
+      </p:pic>
+      <p:cxnSp>
+        <p:nvCxnSpPr>
+          <p:cNvPr id="6" name="Straight Connector 5"/>
+          <p:cNvCxnSpPr/>
+          <p:nvPr/>
+        </p:nvCxnSpPr>
+        <p:spPr>
+          <a:xfrm flipV="1">
+            <a:off x="975356" y="2656114"/>
+            <a:ext cx="5129353" cy="8710"/>
+          </a:xfrm>
+          <a:prstGeom prst="line">
+            <a:avLst/>
+          </a:prstGeom>
+          <a:ln>
+            <a:prstDash val="dash"/>
+          </a:ln>
+        </p:spPr>
+        <p:style>
+          <a:lnRef idx="1">
+            <a:schemeClr val="dk1"/>
+          </a:lnRef>
+          <a:fillRef idx="0">
+            <a:schemeClr val="dk1"/>
+          </a:fillRef>
+          <a:effectRef idx="0">
+            <a:schemeClr val="dk1"/>
+          </a:effectRef>
+          <a:fontRef idx="minor">
+            <a:schemeClr val="tx1"/>
+          </a:fontRef>
+        </p:style>
+      </p:cxnSp>
+      <p:sp>
+        <p:nvSpPr>
+          <p:cNvPr id="8" name="Title 1"/>
+          <p:cNvSpPr txBox="1">
+            <a:spLocks/>
+          </p:cNvSpPr>
+          <p:nvPr/>
+        </p:nvSpPr>
+        <p:spPr>
+          <a:xfrm>
+            <a:off x="4501392" y="497929"/>
+            <a:ext cx="4370070" cy="1054963"/>
           </a:xfrm>
           <a:prstGeom prst="rect">
             <a:avLst/>
           </a:prstGeom>
         </p:spPr>
-      </p:pic>
+        <p:txBody>
+          <a:bodyPr vert="horz" lIns="91440" tIns="45720" rIns="91440" bIns="45720" rtlCol="0" anchor="ctr">
+            <a:noAutofit/>
+          </a:bodyPr>
+          <a:lstStyle>
+            <a:lvl1pPr algn="l" defTabSz="914400" rtl="0" eaLnBrk="1" latinLnBrk="0" hangingPunct="1">
+              <a:lnSpc>
+                <a:spcPct val="90000"/>
+              </a:lnSpc>
+              <a:spcBef>
+                <a:spcPct val="0"/>
+              </a:spcBef>
+              <a:buNone/>
+              <a:defRPr sz="4400" kern="1200">
+                <a:solidFill>
+                  <a:schemeClr val="tx1"/>
+                </a:solidFill>
+                <a:latin typeface="+mj-lt"/>
+                <a:ea typeface="+mj-ea"/>
+                <a:cs typeface="+mj-cs"/>
+              </a:defRPr>
+            </a:lvl1pPr>
+          </a:lstStyle>
+          <a:p>
+            <a:r>
+              <a:rPr lang="en-AU" sz="1000" dirty="0" smtClean="0"/>
+              <a:t>The “</a:t>
+            </a:r>
+            <a:r>
+              <a:rPr lang="en-AU" sz="1000" dirty="0" err="1" smtClean="0"/>
+              <a:t>gridage</a:t>
+            </a:r>
+            <a:r>
+              <a:rPr lang="en-AU" sz="1000" dirty="0" smtClean="0"/>
+              <a:t>” and the “</a:t>
+            </a:r>
+            <a:r>
+              <a:rPr lang="en-AU" sz="1000" dirty="0" err="1" smtClean="0"/>
+              <a:t>gridcrust</a:t>
+            </a:r>
+            <a:r>
+              <a:rPr lang="en-AU" sz="1000" dirty="0" smtClean="0"/>
+              <a:t>” (thankfully) have a significant feature importance for classifying whether a volcanic sample will have a high or low Nd143/Nd144 ratio (i.e. which Nd143/Nd144 cluster the point fits into). </a:t>
+            </a:r>
+            <a:endParaRPr lang="en-AU" sz="1000" dirty="0"/>
+          </a:p>
+        </p:txBody>
+      </p:sp>
+      <p:cxnSp>
+        <p:nvCxnSpPr>
+          <p:cNvPr id="9" name="Straight Connector 8"/>
+          <p:cNvCxnSpPr>
+            <a:endCxn id="8" idx="1"/>
+          </p:cNvCxnSpPr>
+          <p:nvPr/>
+        </p:nvCxnSpPr>
+        <p:spPr>
+          <a:xfrm flipV="1">
+            <a:off x="3669553" y="1025411"/>
+            <a:ext cx="831839" cy="287762"/>
+          </a:xfrm>
+          <a:prstGeom prst="line">
+            <a:avLst/>
+          </a:prstGeom>
+          <a:ln>
+            <a:prstDash val="dash"/>
+          </a:ln>
+        </p:spPr>
+        <p:style>
+          <a:lnRef idx="1">
+            <a:schemeClr val="dk1"/>
+          </a:lnRef>
+          <a:fillRef idx="0">
+            <a:schemeClr val="dk1"/>
+          </a:fillRef>
+          <a:effectRef idx="0">
+            <a:schemeClr val="dk1"/>
+          </a:effectRef>
+          <a:fontRef idx="minor">
+            <a:schemeClr val="tx1"/>
+          </a:fontRef>
+        </p:style>
+      </p:cxnSp>
+      <p:cxnSp>
+        <p:nvCxnSpPr>
+          <p:cNvPr id="12" name="Straight Connector 11"/>
+          <p:cNvCxnSpPr>
+            <a:endCxn id="8" idx="1"/>
+          </p:cNvCxnSpPr>
+          <p:nvPr/>
+        </p:nvCxnSpPr>
+        <p:spPr>
+          <a:xfrm flipV="1">
+            <a:off x="3717365" y="1025411"/>
+            <a:ext cx="784027" cy="701846"/>
+          </a:xfrm>
+          <a:prstGeom prst="line">
+            <a:avLst/>
+          </a:prstGeom>
+          <a:ln>
+            <a:prstDash val="dash"/>
+          </a:ln>
+        </p:spPr>
+        <p:style>
+          <a:lnRef idx="1">
+            <a:schemeClr val="dk1"/>
+          </a:lnRef>
+          <a:fillRef idx="0">
+            <a:schemeClr val="dk1"/>
+          </a:fillRef>
+          <a:effectRef idx="0">
+            <a:schemeClr val="dk1"/>
+          </a:effectRef>
+          <a:fontRef idx="minor">
+            <a:schemeClr val="tx1"/>
+          </a:fontRef>
+        </p:style>
+      </p:cxnSp>
+      <p:sp>
+        <p:nvSpPr>
+          <p:cNvPr id="10" name="Title 1"/>
+          <p:cNvSpPr txBox="1">
+            <a:spLocks/>
+          </p:cNvSpPr>
+          <p:nvPr/>
+        </p:nvSpPr>
+        <p:spPr>
+          <a:xfrm>
+            <a:off x="4501392" y="5118046"/>
+            <a:ext cx="4370070" cy="1054963"/>
+          </a:xfrm>
+          <a:prstGeom prst="rect">
+            <a:avLst/>
+          </a:prstGeom>
+        </p:spPr>
+        <p:txBody>
+          <a:bodyPr vert="horz" lIns="91440" tIns="45720" rIns="91440" bIns="45720" rtlCol="0" anchor="ctr">
+            <a:noAutofit/>
+          </a:bodyPr>
+          <a:lstStyle>
+            <a:lvl1pPr algn="l" defTabSz="914400" rtl="0" eaLnBrk="1" latinLnBrk="0" hangingPunct="1">
+              <a:lnSpc>
+                <a:spcPct val="90000"/>
+              </a:lnSpc>
+              <a:spcBef>
+                <a:spcPct val="0"/>
+              </a:spcBef>
+              <a:buNone/>
+              <a:defRPr sz="4400" kern="1200">
+                <a:solidFill>
+                  <a:schemeClr val="tx1"/>
+                </a:solidFill>
+                <a:latin typeface="+mj-lt"/>
+                <a:ea typeface="+mj-ea"/>
+                <a:cs typeface="+mj-cs"/>
+              </a:defRPr>
+            </a:lvl1pPr>
+          </a:lstStyle>
+          <a:p>
+            <a:r>
+              <a:rPr lang="en-AU" sz="2400" dirty="0" smtClean="0"/>
+              <a:t>Nd143/Nd144 </a:t>
+            </a:r>
+            <a:br>
+              <a:rPr lang="en-AU" sz="2400" dirty="0" smtClean="0"/>
+            </a:br>
+            <a:r>
+              <a:rPr lang="en-AU" sz="2400" dirty="0" smtClean="0"/>
+              <a:t>variable feature importance</a:t>
+            </a:r>
+            <a:endParaRPr lang="en-AU" sz="2400" dirty="0"/>
+          </a:p>
+        </p:txBody>
+      </p:sp>
     </p:spTree>
     <p:extLst>
       <p:ext uri="{BB962C8B-B14F-4D97-AF65-F5344CB8AC3E}">
-        <p14:creationId xmlns:p14="http://schemas.microsoft.com/office/powerpoint/2010/main" val="1311018985"/>
+        <p14:creationId xmlns:p14="http://schemas.microsoft.com/office/powerpoint/2010/main" val="3260136767"/>
       </p:ext>
     </p:extLst>
   </p:cSld>
@@ -3608,14 +4903,16 @@
       </p:grpSpPr>
       <p:pic>
         <p:nvPicPr>
-          <p:cNvPr id="2" name="Picture 1"/>
+          <p:cNvPr id="6" name="Content Placeholder 5"/>
           <p:cNvPicPr>
-            <a:picLocks noChangeAspect="1"/>
+            <a:picLocks noGrp="1" noChangeAspect="1"/>
           </p:cNvPicPr>
-          <p:nvPr/>
+          <p:nvPr>
+            <p:ph idx="1"/>
+          </p:nvPr>
         </p:nvPicPr>
         <p:blipFill>
-          <a:blip r:embed="rId2">
+          <a:blip r:embed="rId2" cstate="print">
             <a:extLst>
               <a:ext uri="{28A0092B-C50C-407E-A947-70E740481C1C}">
                 <a14:useLocalDpi xmlns:a14="http://schemas.microsoft.com/office/drawing/2010/main" val="0"/>
@@ -3628,18 +4925,275 @@
         </p:blipFill>
         <p:spPr>
           <a:xfrm>
-            <a:off x="2636426" y="0"/>
-            <a:ext cx="6919148" cy="6858000"/>
+            <a:off x="59765" y="99844"/>
+            <a:ext cx="6718968" cy="6606414"/>
+          </a:xfrm>
+        </p:spPr>
+      </p:pic>
+      <p:sp>
+        <p:nvSpPr>
+          <p:cNvPr id="8" name="Title 1"/>
+          <p:cNvSpPr txBox="1">
+            <a:spLocks/>
+          </p:cNvSpPr>
+          <p:nvPr/>
+        </p:nvSpPr>
+        <p:spPr>
+          <a:xfrm>
+            <a:off x="4469586" y="1452085"/>
+            <a:ext cx="4370070" cy="1054963"/>
           </a:xfrm>
           <a:prstGeom prst="rect">
             <a:avLst/>
           </a:prstGeom>
         </p:spPr>
-      </p:pic>
+        <p:txBody>
+          <a:bodyPr vert="horz" lIns="91440" tIns="45720" rIns="91440" bIns="45720" rtlCol="0" anchor="ctr">
+            <a:noAutofit/>
+          </a:bodyPr>
+          <a:lstStyle>
+            <a:lvl1pPr algn="l" defTabSz="914400" rtl="0" eaLnBrk="1" latinLnBrk="0" hangingPunct="1">
+              <a:lnSpc>
+                <a:spcPct val="90000"/>
+              </a:lnSpc>
+              <a:spcBef>
+                <a:spcPct val="0"/>
+              </a:spcBef>
+              <a:buNone/>
+              <a:defRPr sz="4400" kern="1200">
+                <a:solidFill>
+                  <a:schemeClr val="tx1"/>
+                </a:solidFill>
+                <a:latin typeface="+mj-lt"/>
+                <a:ea typeface="+mj-ea"/>
+                <a:cs typeface="+mj-cs"/>
+              </a:defRPr>
+            </a:lvl1pPr>
+          </a:lstStyle>
+          <a:p>
+            <a:r>
+              <a:rPr lang="en-AU" sz="2400" dirty="0" smtClean="0">
+                <a:solidFill>
+                  <a:schemeClr val="accent1"/>
+                </a:solidFill>
+              </a:rPr>
+              <a:t>All samples </a:t>
+            </a:r>
+            <a:r>
+              <a:rPr lang="en-AU" sz="2400" dirty="0" smtClean="0"/>
+              <a:t>compared with </a:t>
+            </a:r>
+            <a:r>
+              <a:rPr lang="en-AU" sz="2400" dirty="0" smtClean="0">
+                <a:solidFill>
+                  <a:srgbClr val="FF0000"/>
+                </a:solidFill>
+              </a:rPr>
+              <a:t>randomised </a:t>
+            </a:r>
+            <a:r>
+              <a:rPr lang="en-AU" sz="2400" dirty="0" smtClean="0">
+                <a:solidFill>
+                  <a:srgbClr val="FF0000"/>
+                </a:solidFill>
+              </a:rPr>
+              <a:t>locations</a:t>
+            </a:r>
+            <a:r>
+              <a:rPr lang="en-AU" sz="2400" dirty="0" smtClean="0"/>
+              <a:t> </a:t>
+            </a:r>
+            <a:r>
+              <a:rPr lang="en-AU" sz="2400" dirty="0"/>
+              <a:t>variables </a:t>
+            </a:r>
+            <a:r>
+              <a:rPr lang="en-AU" sz="2400" dirty="0" err="1"/>
+              <a:t>pairplot</a:t>
+            </a:r>
+            <a:r>
+              <a:rPr lang="en-AU" sz="2400" dirty="0"/>
+              <a:t> and histogram </a:t>
+            </a:r>
+            <a:endParaRPr lang="en-AU" sz="2400" dirty="0"/>
+          </a:p>
+        </p:txBody>
+      </p:sp>
+      <p:sp>
+        <p:nvSpPr>
+          <p:cNvPr id="9" name="TextBox 8"/>
+          <p:cNvSpPr txBox="1"/>
+          <p:nvPr/>
+        </p:nvSpPr>
+        <p:spPr>
+          <a:xfrm>
+            <a:off x="5174188" y="3949844"/>
+            <a:ext cx="1293536" cy="438582"/>
+          </a:xfrm>
+          <a:prstGeom prst="rect">
+            <a:avLst/>
+          </a:prstGeom>
+          <a:ln w="6350"/>
+        </p:spPr>
+        <p:style>
+          <a:lnRef idx="2">
+            <a:schemeClr val="dk1"/>
+          </a:lnRef>
+          <a:fillRef idx="1">
+            <a:schemeClr val="lt1"/>
+          </a:fillRef>
+          <a:effectRef idx="0">
+            <a:schemeClr val="dk1"/>
+          </a:effectRef>
+          <a:fontRef idx="minor">
+            <a:schemeClr val="dk1"/>
+          </a:fontRef>
+        </p:style>
+        <p:txBody>
+          <a:bodyPr wrap="square" rtlCol="0">
+            <a:spAutoFit/>
+          </a:bodyPr>
+          <a:lstStyle/>
+          <a:p>
+            <a:r>
+              <a:rPr lang="en-AU" sz="450" dirty="0">
+                <a:solidFill>
+                  <a:schemeClr val="tx1"/>
+                </a:solidFill>
+              </a:rPr>
+              <a:t>Histogram of </a:t>
+            </a:r>
+            <a:r>
+              <a:rPr lang="en-AU" sz="450" dirty="0" smtClean="0">
+                <a:solidFill>
+                  <a:schemeClr val="tx1"/>
+                </a:solidFill>
+              </a:rPr>
+              <a:t>Cumulative Slab Age shows two distinctive clusters of the </a:t>
+            </a:r>
+            <a:r>
+              <a:rPr lang="en-AU" sz="450" dirty="0" smtClean="0">
+                <a:solidFill>
+                  <a:schemeClr val="accent1"/>
+                </a:solidFill>
+              </a:rPr>
+              <a:t>volcanic samples </a:t>
+            </a:r>
+            <a:r>
+              <a:rPr lang="en-AU" sz="450" dirty="0" smtClean="0">
+                <a:solidFill>
+                  <a:schemeClr val="tx1"/>
+                </a:solidFill>
+              </a:rPr>
+              <a:t>(around 25Ma and 100Ma) compared with the </a:t>
+            </a:r>
+            <a:r>
+              <a:rPr lang="en-AU" sz="450" dirty="0" smtClean="0">
+                <a:solidFill>
+                  <a:srgbClr val="FF0000"/>
+                </a:solidFill>
+              </a:rPr>
+              <a:t>randomised locations </a:t>
+            </a:r>
+            <a:r>
+              <a:rPr lang="en-AU" sz="450" dirty="0" smtClean="0">
+                <a:solidFill>
+                  <a:schemeClr val="tx1"/>
+                </a:solidFill>
+              </a:rPr>
+              <a:t>that show the single cluster around 25Ma.</a:t>
+            </a:r>
+            <a:endParaRPr lang="en-AU" sz="450" dirty="0">
+              <a:solidFill>
+                <a:schemeClr val="accent1"/>
+              </a:solidFill>
+            </a:endParaRPr>
+          </a:p>
+        </p:txBody>
+      </p:sp>
+      <p:sp>
+        <p:nvSpPr>
+          <p:cNvPr id="10" name="Oval 9"/>
+          <p:cNvSpPr/>
+          <p:nvPr/>
+        </p:nvSpPr>
+        <p:spPr>
+          <a:xfrm>
+            <a:off x="4079020" y="4086970"/>
+            <a:ext cx="390566" cy="397566"/>
+          </a:xfrm>
+          <a:prstGeom prst="ellipse">
+            <a:avLst/>
+          </a:prstGeom>
+          <a:noFill/>
+          <a:ln w="3175"/>
+        </p:spPr>
+        <p:style>
+          <a:lnRef idx="2">
+            <a:schemeClr val="dk1"/>
+          </a:lnRef>
+          <a:fillRef idx="1">
+            <a:schemeClr val="lt1"/>
+          </a:fillRef>
+          <a:effectRef idx="0">
+            <a:schemeClr val="dk1"/>
+          </a:effectRef>
+          <a:fontRef idx="minor">
+            <a:schemeClr val="dk1"/>
+          </a:fontRef>
+        </p:style>
+        <p:txBody>
+          <a:bodyPr rot="0" spcFirstLastPara="0" vertOverflow="overflow" horzOverflow="overflow" vert="horz" wrap="square" lIns="68580" tIns="34290" rIns="68580" bIns="34290" numCol="1" spcCol="0" rtlCol="0" fromWordArt="0" anchor="ctr" anchorCtr="0" forceAA="0" compatLnSpc="1">
+            <a:prstTxWarp prst="textNoShape">
+              <a:avLst/>
+            </a:prstTxWarp>
+            <a:noAutofit/>
+          </a:bodyPr>
+          <a:lstStyle/>
+          <a:p>
+            <a:pPr algn="ctr"/>
+            <a:endParaRPr lang="en-AU" sz="1350"/>
+          </a:p>
+        </p:txBody>
+      </p:sp>
+      <p:cxnSp>
+        <p:nvCxnSpPr>
+          <p:cNvPr id="11" name="Straight Connector 10"/>
+          <p:cNvCxnSpPr>
+            <a:stCxn id="10" idx="6"/>
+            <a:endCxn id="9" idx="1"/>
+          </p:cNvCxnSpPr>
+          <p:nvPr/>
+        </p:nvCxnSpPr>
+        <p:spPr>
+          <a:xfrm flipV="1">
+            <a:off x="4469586" y="4169135"/>
+            <a:ext cx="704602" cy="116618"/>
+          </a:xfrm>
+          <a:prstGeom prst="line">
+            <a:avLst/>
+          </a:prstGeom>
+          <a:ln w="3175"/>
+        </p:spPr>
+        <p:style>
+          <a:lnRef idx="1">
+            <a:schemeClr val="dk1"/>
+          </a:lnRef>
+          <a:fillRef idx="0">
+            <a:schemeClr val="dk1"/>
+          </a:fillRef>
+          <a:effectRef idx="0">
+            <a:schemeClr val="dk1"/>
+          </a:effectRef>
+          <a:fontRef idx="minor">
+            <a:schemeClr val="tx1"/>
+          </a:fontRef>
+        </p:style>
+      </p:cxnSp>
     </p:spTree>
     <p:extLst>
       <p:ext uri="{BB962C8B-B14F-4D97-AF65-F5344CB8AC3E}">
-        <p14:creationId xmlns:p14="http://schemas.microsoft.com/office/powerpoint/2010/main" val="3927030147"/>
+        <p14:creationId xmlns:p14="http://schemas.microsoft.com/office/powerpoint/2010/main" val="2966058989"/>
       </p:ext>
     </p:extLst>
   </p:cSld>
@@ -3666,259 +5220,9 @@
           <a:chExt cx="0" cy="0"/>
         </a:xfrm>
       </p:grpSpPr>
-      <p:sp>
-        <p:nvSpPr>
-          <p:cNvPr id="7" name="Rectangle 5"/>
-          <p:cNvSpPr>
-            <a:spLocks noGrp="1" noChangeArrowheads="1"/>
-          </p:cNvSpPr>
-          <p:nvPr>
-            <p:ph type="title"/>
-          </p:nvPr>
-        </p:nvSpPr>
-        <p:spPr bwMode="auto">
-          <a:xfrm>
-            <a:off x="838200" y="504687"/>
-            <a:ext cx="7540526" cy="1046440"/>
-          </a:xfrm>
-          <a:prstGeom prst="rect">
-            <a:avLst/>
-          </a:prstGeom>
-          <a:solidFill>
-            <a:srgbClr val="FFFFFF"/>
-          </a:solidFill>
-          <a:ln>
-            <a:noFill/>
-          </a:ln>
-          <a:effectLst/>
-          <a:extLst>
-            <a:ext uri="{91240B29-F687-4F45-9708-019B960494DF}">
-              <a14:hiddenLine xmlns:a14="http://schemas.microsoft.com/office/drawing/2010/main" w="9525">
-                <a:solidFill>
-                  <a:schemeClr val="tx1"/>
-                </a:solidFill>
-                <a:miter lim="800000"/>
-                <a:headEnd/>
-                <a:tailEnd/>
-              </a14:hiddenLine>
-            </a:ext>
-            <a:ext uri="{AF507438-7753-43E0-B8FC-AC1667EBCBE1}">
-              <a14:hiddenEffects xmlns:a14="http://schemas.microsoft.com/office/drawing/2010/main">
-                <a:effectLst>
-                  <a:outerShdw dist="35921" dir="2700000" algn="ctr" rotWithShape="0">
-                    <a:schemeClr val="bg2"/>
-                  </a:outerShdw>
-                </a:effectLst>
-              </a14:hiddenEffects>
-            </a:ext>
-          </a:extLst>
-        </p:spPr>
-        <p:txBody>
-          <a:bodyPr vert="horz" wrap="none" lIns="0" tIns="0" rIns="0" bIns="0" numCol="1" anchor="ctr" anchorCtr="0" compatLnSpc="1">
-            <a:prstTxWarp prst="textNoShape">
-              <a:avLst/>
-            </a:prstTxWarp>
-            <a:spAutoFit/>
-          </a:bodyPr>
-          <a:lstStyle/>
-          <a:p>
-            <a:pPr eaLnBrk="0" fontAlgn="base" hangingPunct="0">
-              <a:lnSpc>
-                <a:spcPct val="100000"/>
-              </a:lnSpc>
-              <a:spcAft>
-                <a:spcPct val="0"/>
-              </a:spcAft>
-            </a:pPr>
-            <a:r>
-              <a:rPr kumimoji="0" lang="en-US" altLang="en-US" sz="1000" b="0" i="0" u="none" strike="noStrike" cap="none" normalizeH="0" baseline="0" dirty="0" smtClean="0">
-                <a:ln>
-                  <a:noFill/>
-                </a:ln>
-                <a:solidFill>
-                  <a:srgbClr val="000000"/>
-                </a:solidFill>
-                <a:effectLst/>
-                <a:latin typeface="Courier New" panose="02070309020205020404" pitchFamily="49" charset="0"/>
-              </a:rPr>
-              <a:t>AGES</a:t>
-            </a:r>
-            <a:br>
-              <a:rPr kumimoji="0" lang="en-US" altLang="en-US" sz="1000" b="0" i="0" u="none" strike="noStrike" cap="none" normalizeH="0" baseline="0" dirty="0" smtClean="0">
-                <a:ln>
-                  <a:noFill/>
-                </a:ln>
-                <a:solidFill>
-                  <a:srgbClr val="000000"/>
-                </a:solidFill>
-                <a:effectLst/>
-                <a:latin typeface="Courier New" panose="02070309020205020404" pitchFamily="49" charset="0"/>
-              </a:rPr>
-            </a:br>
-            <a:r>
-              <a:rPr kumimoji="0" lang="en-US" altLang="en-US" sz="1000" b="0" i="0" u="none" strike="noStrike" cap="none" normalizeH="0" baseline="0" dirty="0" err="1" smtClean="0">
-                <a:ln>
-                  <a:noFill/>
-                </a:ln>
-                <a:solidFill>
-                  <a:srgbClr val="000000"/>
-                </a:solidFill>
-                <a:effectLst/>
-                <a:latin typeface="Courier New" panose="02070309020205020404" pitchFamily="49" charset="0"/>
-              </a:rPr>
-              <a:t>dfnegsub</a:t>
-            </a:r>
-            <a:r>
-              <a:rPr lang="en-US" altLang="en-US" sz="1000" dirty="0" smtClean="0">
-                <a:solidFill>
-                  <a:srgbClr val="000000"/>
-                </a:solidFill>
-                <a:latin typeface="Courier New" panose="02070309020205020404" pitchFamily="49" charset="0"/>
-              </a:rPr>
-              <a:t> </a:t>
-            </a:r>
-            <a:r>
-              <a:rPr lang="en-US" altLang="en-US" sz="1000" dirty="0" smtClean="0">
-                <a:solidFill>
-                  <a:srgbClr val="000000"/>
-                </a:solidFill>
-                <a:latin typeface="Courier New" panose="02070309020205020404" pitchFamily="49" charset="0"/>
-              </a:rPr>
-              <a:t>338 rows × 9 columns</a:t>
-            </a:r>
-            <a:br>
-              <a:rPr lang="en-US" altLang="en-US" sz="1000" dirty="0" smtClean="0">
-                <a:solidFill>
-                  <a:srgbClr val="000000"/>
-                </a:solidFill>
-                <a:latin typeface="Courier New" panose="02070309020205020404" pitchFamily="49" charset="0"/>
-              </a:rPr>
-            </a:br>
-            <a:r>
-              <a:rPr lang="en-US" altLang="en-US" sz="1000" dirty="0" err="1" smtClean="0">
-                <a:solidFill>
-                  <a:srgbClr val="000000"/>
-                </a:solidFill>
-                <a:latin typeface="Courier New" panose="02070309020205020404" pitchFamily="49" charset="0"/>
-              </a:rPr>
-              <a:t>dfsub</a:t>
-            </a:r>
-            <a:r>
-              <a:rPr lang="en-US" altLang="en-US" sz="1000" dirty="0" smtClean="0">
-                <a:solidFill>
-                  <a:srgbClr val="000000"/>
-                </a:solidFill>
-                <a:latin typeface="Courier New" panose="02070309020205020404" pitchFamily="49" charset="0"/>
-              </a:rPr>
-              <a:t> 851 rows × 9 columns</a:t>
-            </a:r>
-            <a:r>
-              <a:rPr kumimoji="0" lang="en-US" altLang="en-US" sz="1000" b="0" i="0" u="none" strike="noStrike" cap="none" normalizeH="0" baseline="0" dirty="0" smtClean="0">
-                <a:ln>
-                  <a:noFill/>
-                </a:ln>
-                <a:solidFill>
-                  <a:srgbClr val="000000"/>
-                </a:solidFill>
-                <a:effectLst/>
-                <a:latin typeface="Courier New" panose="02070309020205020404" pitchFamily="49" charset="0"/>
-              </a:rPr>
-              <a:t/>
-            </a:r>
-            <a:br>
-              <a:rPr kumimoji="0" lang="en-US" altLang="en-US" sz="1000" b="0" i="0" u="none" strike="noStrike" cap="none" normalizeH="0" baseline="0" dirty="0" smtClean="0">
-                <a:ln>
-                  <a:noFill/>
-                </a:ln>
-                <a:solidFill>
-                  <a:srgbClr val="000000"/>
-                </a:solidFill>
-                <a:effectLst/>
-                <a:latin typeface="Courier New" panose="02070309020205020404" pitchFamily="49" charset="0"/>
-              </a:rPr>
-            </a:br>
-            <a:r>
-              <a:rPr kumimoji="0" lang="en-US" altLang="en-US" sz="1000" b="0" i="0" u="none" strike="noStrike" cap="none" normalizeH="0" baseline="0" dirty="0" smtClean="0">
-                <a:ln>
-                  <a:noFill/>
-                </a:ln>
-                <a:solidFill>
-                  <a:srgbClr val="000000"/>
-                </a:solidFill>
-                <a:effectLst/>
-                <a:latin typeface="Courier New" panose="02070309020205020404" pitchFamily="49" charset="0"/>
-                <a:cs typeface="Courier New" panose="02070309020205020404" pitchFamily="49" charset="0"/>
-              </a:rPr>
-              <a:t>RF 10-fold cross validation Scores: [0.723 0.681 0.555 0.571 0.521 0.613 0.672 0.538 0.395 0.22 ] </a:t>
-            </a:r>
-            <a:br>
-              <a:rPr kumimoji="0" lang="en-US" altLang="en-US" sz="1000" b="0" i="0" u="none" strike="noStrike" cap="none" normalizeH="0" baseline="0" dirty="0" smtClean="0">
-                <a:ln>
-                  <a:noFill/>
-                </a:ln>
-                <a:solidFill>
-                  <a:srgbClr val="000000"/>
-                </a:solidFill>
-                <a:effectLst/>
-                <a:latin typeface="Courier New" panose="02070309020205020404" pitchFamily="49" charset="0"/>
-                <a:cs typeface="Courier New" panose="02070309020205020404" pitchFamily="49" charset="0"/>
-              </a:rPr>
-            </a:br>
-            <a:r>
-              <a:rPr kumimoji="0" lang="en-US" altLang="en-US" sz="1000" b="0" i="0" u="none" strike="noStrike" cap="none" normalizeH="0" baseline="0" dirty="0" smtClean="0">
-                <a:ln>
-                  <a:noFill/>
-                </a:ln>
-                <a:solidFill>
-                  <a:srgbClr val="000000"/>
-                </a:solidFill>
-                <a:effectLst/>
-                <a:latin typeface="Courier New" panose="02070309020205020404" pitchFamily="49" charset="0"/>
-                <a:cs typeface="Courier New" panose="02070309020205020404" pitchFamily="49" charset="0"/>
-              </a:rPr>
-              <a:t>SCORE Mean: 0.55 STD: 0.14 </a:t>
-            </a:r>
-            <a:r>
-              <a:rPr kumimoji="0" lang="en-US" altLang="en-US" sz="1000" b="0" i="0" u="none" strike="noStrike" cap="none" normalizeH="0" baseline="0" dirty="0" smtClean="0">
-                <a:ln>
-                  <a:noFill/>
-                </a:ln>
-                <a:solidFill>
-                  <a:srgbClr val="000000"/>
-                </a:solidFill>
-                <a:effectLst/>
-                <a:latin typeface="Courier New" panose="02070309020205020404" pitchFamily="49" charset="0"/>
-              </a:rPr>
-              <a:t/>
-            </a:r>
-            <a:br>
-              <a:rPr kumimoji="0" lang="en-US" altLang="en-US" sz="1000" b="0" i="0" u="none" strike="noStrike" cap="none" normalizeH="0" baseline="0" dirty="0" smtClean="0">
-                <a:ln>
-                  <a:noFill/>
-                </a:ln>
-                <a:solidFill>
-                  <a:srgbClr val="000000"/>
-                </a:solidFill>
-                <a:effectLst/>
-                <a:latin typeface="Courier New" panose="02070309020205020404" pitchFamily="49" charset="0"/>
-              </a:rPr>
-            </a:br>
-            <a:endParaRPr kumimoji="0" lang="en-US" altLang="en-US" sz="1800" b="0" i="0" u="none" strike="noStrike" cap="none" normalizeH="0" baseline="0" dirty="0" smtClean="0">
-              <a:ln>
-                <a:noFill/>
-              </a:ln>
-              <a:solidFill>
-                <a:schemeClr val="tx1"/>
-              </a:solidFill>
-              <a:effectLst/>
-              <a:latin typeface="Arial" panose="020B0604020202020204" pitchFamily="34" charset="0"/>
-            </a:endParaRPr>
-          </a:p>
-        </p:txBody>
-      </p:sp>
       <p:pic>
         <p:nvPicPr>
-          <p:cNvPr id="13" name="Content Placeholder 12"/>
+          <p:cNvPr id="4" name="Content Placeholder 3"/>
           <p:cNvPicPr>
             <a:picLocks noGrp="1" noChangeAspect="1"/>
           </p:cNvPicPr>
@@ -3940,15 +5244,166 @@
         </p:blipFill>
         <p:spPr>
           <a:xfrm>
-            <a:off x="686369" y="1285694"/>
-            <a:ext cx="3232488" cy="5413258"/>
+            <a:off x="80586" y="286247"/>
+            <a:ext cx="4008350" cy="6495015"/>
           </a:xfrm>
         </p:spPr>
       </p:pic>
+      <p:sp>
+        <p:nvSpPr>
+          <p:cNvPr id="5" name="Title 1"/>
+          <p:cNvSpPr txBox="1">
+            <a:spLocks/>
+          </p:cNvSpPr>
+          <p:nvPr/>
+        </p:nvSpPr>
+        <p:spPr>
+          <a:xfrm>
+            <a:off x="4142611" y="1340446"/>
+            <a:ext cx="4370070" cy="1054963"/>
+          </a:xfrm>
+          <a:prstGeom prst="rect">
+            <a:avLst/>
+          </a:prstGeom>
+        </p:spPr>
+        <p:txBody>
+          <a:bodyPr vert="horz" lIns="91440" tIns="45720" rIns="91440" bIns="45720" rtlCol="0" anchor="ctr">
+            <a:noAutofit/>
+          </a:bodyPr>
+          <a:lstStyle>
+            <a:lvl1pPr algn="l" defTabSz="914400" rtl="0" eaLnBrk="1" latinLnBrk="0" hangingPunct="1">
+              <a:lnSpc>
+                <a:spcPct val="90000"/>
+              </a:lnSpc>
+              <a:spcBef>
+                <a:spcPct val="0"/>
+              </a:spcBef>
+              <a:buNone/>
+              <a:defRPr sz="4400" kern="1200">
+                <a:solidFill>
+                  <a:schemeClr val="tx1"/>
+                </a:solidFill>
+                <a:latin typeface="+mj-lt"/>
+                <a:ea typeface="+mj-ea"/>
+                <a:cs typeface="+mj-cs"/>
+              </a:defRPr>
+            </a:lvl1pPr>
+          </a:lstStyle>
+          <a:p>
+            <a:r>
+              <a:rPr lang="en-AU" sz="1000" dirty="0" smtClean="0"/>
+              <a:t>All the features are well above the random benchmark, but there is no single significant feature that stands out I think. If there were, we could make the bold statement, the value of “</a:t>
+            </a:r>
+            <a:r>
+              <a:rPr lang="en-AU" sz="1000" dirty="0" err="1" smtClean="0"/>
+              <a:t>gridlith</a:t>
+            </a:r>
+            <a:r>
+              <a:rPr lang="en-AU" sz="1000" dirty="0" smtClean="0"/>
+              <a:t>” (Carbon in the Lithosphere) can predict volcanism…. </a:t>
+            </a:r>
+            <a:r>
+              <a:rPr lang="en-AU" sz="1000" dirty="0"/>
+              <a:t>But to explain why </a:t>
+            </a:r>
+            <a:r>
+              <a:rPr lang="en-AU" sz="1000" dirty="0" err="1"/>
+              <a:t>gridlith</a:t>
+            </a:r>
+            <a:r>
+              <a:rPr lang="en-AU" sz="1000" dirty="0"/>
+              <a:t> has the most significant feature importance….</a:t>
+            </a:r>
+          </a:p>
+          <a:p>
+            <a:endParaRPr lang="en-AU" sz="1000" dirty="0" smtClean="0"/>
+          </a:p>
+          <a:p>
+            <a:endParaRPr lang="en-AU" sz="1000" dirty="0" smtClean="0"/>
+          </a:p>
+        </p:txBody>
+      </p:sp>
+      <p:sp>
+        <p:nvSpPr>
+          <p:cNvPr id="6" name="Title 1"/>
+          <p:cNvSpPr txBox="1">
+            <a:spLocks/>
+          </p:cNvSpPr>
+          <p:nvPr/>
+        </p:nvSpPr>
+        <p:spPr>
+          <a:xfrm>
+            <a:off x="4675532" y="4030528"/>
+            <a:ext cx="4370070" cy="1054963"/>
+          </a:xfrm>
+          <a:prstGeom prst="rect">
+            <a:avLst/>
+          </a:prstGeom>
+        </p:spPr>
+        <p:txBody>
+          <a:bodyPr vert="horz" lIns="91440" tIns="45720" rIns="91440" bIns="45720" rtlCol="0" anchor="ctr">
+            <a:noAutofit/>
+          </a:bodyPr>
+          <a:lstStyle>
+            <a:lvl1pPr algn="l" defTabSz="914400" rtl="0" eaLnBrk="1" latinLnBrk="0" hangingPunct="1">
+              <a:lnSpc>
+                <a:spcPct val="90000"/>
+              </a:lnSpc>
+              <a:spcBef>
+                <a:spcPct val="0"/>
+              </a:spcBef>
+              <a:buNone/>
+              <a:defRPr sz="4400" kern="1200">
+                <a:solidFill>
+                  <a:schemeClr val="tx1"/>
+                </a:solidFill>
+                <a:latin typeface="+mj-lt"/>
+                <a:ea typeface="+mj-ea"/>
+                <a:cs typeface="+mj-cs"/>
+              </a:defRPr>
+            </a:lvl1pPr>
+          </a:lstStyle>
+          <a:p>
+            <a:r>
+              <a:rPr lang="en-AU" sz="2400" dirty="0" smtClean="0">
+                <a:solidFill>
+                  <a:schemeClr val="accent1"/>
+                </a:solidFill>
+              </a:rPr>
+              <a:t>All samples </a:t>
+            </a:r>
+            <a:r>
+              <a:rPr lang="en-AU" sz="2400" dirty="0" smtClean="0"/>
+              <a:t>compared with </a:t>
+            </a:r>
+            <a:r>
+              <a:rPr lang="en-AU" sz="2400" dirty="0" smtClean="0">
+                <a:solidFill>
+                  <a:srgbClr val="FF0000"/>
+                </a:solidFill>
+              </a:rPr>
+              <a:t>randomised </a:t>
+            </a:r>
+            <a:r>
+              <a:rPr lang="en-AU" sz="2400" dirty="0" smtClean="0">
+                <a:solidFill>
+                  <a:srgbClr val="FF0000"/>
+                </a:solidFill>
+              </a:rPr>
+              <a:t>locations</a:t>
+            </a:r>
+            <a:r>
+              <a:rPr lang="en-AU" sz="2400" dirty="0" smtClean="0"/>
+              <a:t> variable Feature Importance.</a:t>
+            </a:r>
+            <a:endParaRPr lang="en-AU" sz="2400" dirty="0"/>
+          </a:p>
+        </p:txBody>
+      </p:sp>
     </p:spTree>
     <p:extLst>
       <p:ext uri="{BB962C8B-B14F-4D97-AF65-F5344CB8AC3E}">
-        <p14:creationId xmlns:p14="http://schemas.microsoft.com/office/powerpoint/2010/main" val="2006394675"/>
+        <p14:creationId xmlns:p14="http://schemas.microsoft.com/office/powerpoint/2010/main" val="4017189570"/>
       </p:ext>
     </p:extLst>
   </p:cSld>
@@ -3975,9 +5430,137 @@
           <a:chExt cx="0" cy="0"/>
         </a:xfrm>
       </p:grpSpPr>
+      <p:sp>
+        <p:nvSpPr>
+          <p:cNvPr id="5" name="Title 1"/>
+          <p:cNvSpPr txBox="1">
+            <a:spLocks/>
+          </p:cNvSpPr>
+          <p:nvPr/>
+        </p:nvSpPr>
+        <p:spPr>
+          <a:xfrm>
+            <a:off x="949585" y="998572"/>
+            <a:ext cx="3932131" cy="1946786"/>
+          </a:xfrm>
+          <a:prstGeom prst="rect">
+            <a:avLst/>
+          </a:prstGeom>
+        </p:spPr>
+        <p:txBody>
+          <a:bodyPr vert="horz" lIns="91440" tIns="45720" rIns="91440" bIns="45720" rtlCol="0" anchor="t">
+            <a:noAutofit/>
+          </a:bodyPr>
+          <a:lstStyle>
+            <a:lvl1pPr algn="l" defTabSz="914400" rtl="0" eaLnBrk="1" latinLnBrk="0" hangingPunct="1">
+              <a:lnSpc>
+                <a:spcPct val="90000"/>
+              </a:lnSpc>
+              <a:spcBef>
+                <a:spcPct val="0"/>
+              </a:spcBef>
+              <a:buNone/>
+              <a:defRPr sz="4400" kern="1200">
+                <a:solidFill>
+                  <a:schemeClr val="tx1"/>
+                </a:solidFill>
+                <a:latin typeface="+mj-lt"/>
+                <a:ea typeface="+mj-ea"/>
+                <a:cs typeface="+mj-cs"/>
+              </a:defRPr>
+            </a:lvl1pPr>
+          </a:lstStyle>
+          <a:p>
+            <a:r>
+              <a:rPr lang="en-AU" sz="1000" dirty="0" smtClean="0"/>
+              <a:t>From </a:t>
+            </a:r>
+            <a:r>
+              <a:rPr lang="en-AU" sz="1000" dirty="0"/>
+              <a:t>the </a:t>
+            </a:r>
+            <a:r>
+              <a:rPr lang="en-AU" sz="1000" dirty="0" err="1" smtClean="0"/>
+              <a:t>pairplots</a:t>
+            </a:r>
+            <a:r>
+              <a:rPr lang="en-AU" sz="1000" dirty="0" smtClean="0"/>
+              <a:t> and histograms there are </a:t>
+            </a:r>
+            <a:r>
+              <a:rPr lang="en-AU" sz="1000" dirty="0"/>
+              <a:t>no obvious correlations, but zooming in the histogram of </a:t>
+            </a:r>
+            <a:r>
+              <a:rPr lang="en-AU" sz="1000" dirty="0" err="1"/>
+              <a:t>gridlith</a:t>
+            </a:r>
+            <a:r>
+              <a:rPr lang="en-AU" sz="1000" dirty="0"/>
+              <a:t> shows that there are many more (~600) “low values” (~0.00004) for carbon in the lithosphere for the volcanic samples compared with ~400 low values for </a:t>
+            </a:r>
+            <a:r>
+              <a:rPr lang="en-AU" sz="1000" dirty="0" smtClean="0"/>
+              <a:t>the </a:t>
+            </a:r>
+            <a:r>
+              <a:rPr lang="en-AU" sz="1000" dirty="0"/>
+              <a:t>randomised location samples. So we can say having less carbon in the lithosphere at the time of subduction is associated with volcanism. BUT also requiring the </a:t>
+            </a:r>
+            <a:r>
+              <a:rPr lang="en-AU" sz="1000" dirty="0" err="1"/>
+              <a:t>gridslabsubage</a:t>
+            </a:r>
+            <a:r>
+              <a:rPr lang="en-AU" sz="1000" dirty="0"/>
+              <a:t> (cumulative slab age</a:t>
+            </a:r>
+            <a:r>
+              <a:rPr lang="en-AU" sz="1000" dirty="0" smtClean="0"/>
+              <a:t>) to be around 40Ma, </a:t>
+            </a:r>
+            <a:r>
+              <a:rPr lang="en-AU" sz="1000" dirty="0"/>
+              <a:t>the </a:t>
+            </a:r>
+            <a:r>
+              <a:rPr lang="en-AU" sz="1000" dirty="0" err="1"/>
+              <a:t>gridage</a:t>
+            </a:r>
+            <a:r>
+              <a:rPr lang="en-AU" sz="1000" dirty="0"/>
+              <a:t> (Age of the seafloor</a:t>
+            </a:r>
+            <a:r>
+              <a:rPr lang="en-AU" sz="1000" dirty="0" smtClean="0"/>
+              <a:t>) either around 20Myr or 110Myr, </a:t>
+            </a:r>
+            <a:r>
+              <a:rPr lang="en-AU" sz="1000" dirty="0"/>
+              <a:t>and the </a:t>
+            </a:r>
+            <a:r>
+              <a:rPr lang="en-AU" sz="1000" dirty="0" err="1"/>
+              <a:t>gridsubsed</a:t>
+            </a:r>
+            <a:r>
+              <a:rPr lang="en-AU" sz="1000" dirty="0"/>
+              <a:t> (Carbon in the sediments) to </a:t>
+            </a:r>
+            <a:r>
+              <a:rPr lang="en-AU" sz="1000" dirty="0" smtClean="0"/>
+              <a:t>be high (&gt;0.0001).</a:t>
+            </a:r>
+            <a:endParaRPr lang="en-AU" sz="1000" dirty="0"/>
+          </a:p>
+          <a:p>
+            <a:endParaRPr lang="en-AU" sz="1000" dirty="0" smtClean="0"/>
+          </a:p>
+        </p:txBody>
+      </p:sp>
       <p:pic>
         <p:nvPicPr>
-          <p:cNvPr id="2" name="Picture 1"/>
+          <p:cNvPr id="7" name="Picture 6"/>
           <p:cNvPicPr>
             <a:picLocks noChangeAspect="1"/>
           </p:cNvPicPr>
@@ -3997,8 +5580,98 @@
         </p:blipFill>
         <p:spPr>
           <a:xfrm>
-            <a:off x="1696906" y="0"/>
-            <a:ext cx="6919148" cy="6858000"/>
+            <a:off x="5663381" y="592653"/>
+            <a:ext cx="2138516" cy="1445680"/>
+          </a:xfrm>
+          <a:prstGeom prst="rect">
+            <a:avLst/>
+          </a:prstGeom>
+        </p:spPr>
+      </p:pic>
+      <p:pic>
+        <p:nvPicPr>
+          <p:cNvPr id="9" name="Picture 8"/>
+          <p:cNvPicPr>
+            <a:picLocks noChangeAspect="1"/>
+          </p:cNvPicPr>
+          <p:nvPr/>
+        </p:nvPicPr>
+        <p:blipFill>
+          <a:blip r:embed="rId3">
+            <a:extLst>
+              <a:ext uri="{28A0092B-C50C-407E-A947-70E740481C1C}">
+                <a14:useLocalDpi xmlns:a14="http://schemas.microsoft.com/office/drawing/2010/main" val="0"/>
+              </a:ext>
+            </a:extLst>
+          </a:blip>
+          <a:stretch>
+            <a:fillRect/>
+          </a:stretch>
+        </p:blipFill>
+        <p:spPr>
+          <a:xfrm>
+            <a:off x="5663381" y="5146848"/>
+            <a:ext cx="2138516" cy="1445681"/>
+          </a:xfrm>
+          <a:prstGeom prst="rect">
+            <a:avLst/>
+          </a:prstGeom>
+        </p:spPr>
+      </p:pic>
+      <p:pic>
+        <p:nvPicPr>
+          <p:cNvPr id="10" name="Picture 9"/>
+          <p:cNvPicPr>
+            <a:picLocks noChangeAspect="1"/>
+          </p:cNvPicPr>
+          <p:nvPr/>
+        </p:nvPicPr>
+        <p:blipFill>
+          <a:blip r:embed="rId4">
+            <a:extLst>
+              <a:ext uri="{28A0092B-C50C-407E-A947-70E740481C1C}">
+                <a14:useLocalDpi xmlns:a14="http://schemas.microsoft.com/office/drawing/2010/main" val="0"/>
+              </a:ext>
+            </a:extLst>
+          </a:blip>
+          <a:stretch>
+            <a:fillRect/>
+          </a:stretch>
+        </p:blipFill>
+        <p:spPr>
+          <a:xfrm>
+            <a:off x="5663381" y="3627425"/>
+            <a:ext cx="2138516" cy="1445681"/>
+          </a:xfrm>
+          <a:prstGeom prst="rect">
+            <a:avLst/>
+          </a:prstGeom>
+        </p:spPr>
+      </p:pic>
+      <p:pic>
+        <p:nvPicPr>
+          <p:cNvPr id="11" name="Picture 10"/>
+          <p:cNvPicPr>
+            <a:picLocks noChangeAspect="1"/>
+          </p:cNvPicPr>
+          <p:nvPr/>
+        </p:nvPicPr>
+        <p:blipFill>
+          <a:blip r:embed="rId5">
+            <a:extLst>
+              <a:ext uri="{28A0092B-C50C-407E-A947-70E740481C1C}">
+                <a14:useLocalDpi xmlns:a14="http://schemas.microsoft.com/office/drawing/2010/main" val="0"/>
+              </a:ext>
+            </a:extLst>
+          </a:blip>
+          <a:stretch>
+            <a:fillRect/>
+          </a:stretch>
+        </p:blipFill>
+        <p:spPr>
+          <a:xfrm>
+            <a:off x="5663381" y="2038333"/>
+            <a:ext cx="2138516" cy="1445681"/>
           </a:xfrm>
           <a:prstGeom prst="rect">
             <a:avLst/>
@@ -4008,7 +5681,7 @@
     </p:spTree>
     <p:extLst>
       <p:ext uri="{BB962C8B-B14F-4D97-AF65-F5344CB8AC3E}">
-        <p14:creationId xmlns:p14="http://schemas.microsoft.com/office/powerpoint/2010/main" val="2777770437"/>
+        <p14:creationId xmlns:p14="http://schemas.microsoft.com/office/powerpoint/2010/main" val="1823534393"/>
       </p:ext>
     </p:extLst>
   </p:cSld>
@@ -4021,7 +5694,7 @@
 <file path=ppt/theme/theme1.xml><?xml version="1.0" encoding="utf-8"?>
 <a:theme xmlns:a="http://schemas.openxmlformats.org/drawingml/2006/main" name="Office Theme">
   <a:themeElements>
-    <a:clrScheme name="Office">
+    <a:clrScheme name="Office Theme">
       <a:dk1>
         <a:sysClr val="windowText" lastClr="000000"/>
       </a:dk1>
@@ -4059,7 +5732,7 @@
         <a:srgbClr val="954F72"/>
       </a:folHlink>
     </a:clrScheme>
-    <a:fontScheme name="Office">
+    <a:fontScheme name="Office Theme">
       <a:majorFont>
         <a:latin typeface="Calibri Light" panose="020F0302020204030204"/>
         <a:ea typeface=""/>
@@ -4131,7 +5804,7 @@
         <a:font script="Geor" typeface="Sylfaen"/>
       </a:minorFont>
     </a:fontScheme>
-    <a:fmtScheme name="Office">
+    <a:fmtScheme name="Office Theme">
       <a:fillStyleLst>
         <a:solidFill>
           <a:schemeClr val="phClr"/>
